--- a/final_project/AES加密&解密.pptx
+++ b/final_project/AES加密&解密.pptx
@@ -17,12 +17,21 @@
     <p:sldId id="263" r:id="rId11"/>
     <p:sldId id="268" r:id="rId12"/>
     <p:sldId id="269" r:id="rId13"/>
-    <p:sldId id="271" r:id="rId14"/>
-    <p:sldId id="275" r:id="rId15"/>
-    <p:sldId id="270" r:id="rId16"/>
-    <p:sldId id="273" r:id="rId17"/>
-    <p:sldId id="264" r:id="rId18"/>
-    <p:sldId id="265" r:id="rId19"/>
+    <p:sldId id="276" r:id="rId14"/>
+    <p:sldId id="277" r:id="rId15"/>
+    <p:sldId id="278" r:id="rId16"/>
+    <p:sldId id="279" r:id="rId17"/>
+    <p:sldId id="271" r:id="rId18"/>
+    <p:sldId id="275" r:id="rId19"/>
+    <p:sldId id="270" r:id="rId20"/>
+    <p:sldId id="273" r:id="rId21"/>
+    <p:sldId id="264" r:id="rId22"/>
+    <p:sldId id="280" r:id="rId23"/>
+    <p:sldId id="281" r:id="rId24"/>
+    <p:sldId id="282" r:id="rId25"/>
+    <p:sldId id="283" r:id="rId26"/>
+    <p:sldId id="284" r:id="rId27"/>
+    <p:sldId id="265" r:id="rId28"/>
   </p:sldIdLst>
   <p:sldSz cx="12192000" cy="6858000"/>
   <p:notesSz cx="6858000" cy="9144000"/>
@@ -121,6 +130,11 @@
       </a:defRPr>
     </a:lvl9pPr>
   </p:defaultTextStyle>
+  <p:extLst>
+    <p:ext uri="{EFAFB233-063F-42B5-8137-9DF3F51BA10A}">
+      <p15:sldGuideLst xmlns:p15="http://schemas.microsoft.com/office/powerpoint/2012/main"/>
+    </p:ext>
+  </p:extLst>
 </p:presentation>
 </file>
 
@@ -313,7 +327,7 @@
             <a:fld id="{B61BEF0D-F0BB-DE4B-95CE-6DB70DBA9567}" type="datetimeFigureOut">
               <a:rPr lang="en-US" dirty="0"/>
               <a:pPr/>
-              <a:t>1/4/2020</a:t>
+              <a:t>1/5/2020</a:t>
             </a:fld>
             <a:endParaRPr lang="en-US" dirty="0"/>
           </a:p>
@@ -648,7 +662,7 @@
             <a:fld id="{B61BEF0D-F0BB-DE4B-95CE-6DB70DBA9567}" type="datetimeFigureOut">
               <a:rPr lang="en-US" dirty="0"/>
               <a:pPr/>
-              <a:t>1/4/2020</a:t>
+              <a:t>1/5/2020</a:t>
             </a:fld>
             <a:endParaRPr lang="en-US" dirty="0"/>
           </a:p>
@@ -1046,7 +1060,7 @@
             <a:fld id="{B61BEF0D-F0BB-DE4B-95CE-6DB70DBA9567}" type="datetimeFigureOut">
               <a:rPr lang="en-US" dirty="0"/>
               <a:pPr/>
-              <a:t>1/4/2020</a:t>
+              <a:t>1/5/2020</a:t>
             </a:fld>
             <a:endParaRPr lang="en-US" dirty="0"/>
           </a:p>
@@ -1379,7 +1393,7 @@
             <a:fld id="{B61BEF0D-F0BB-DE4B-95CE-6DB70DBA9567}" type="datetimeFigureOut">
               <a:rPr lang="en-US" dirty="0"/>
               <a:pPr/>
-              <a:t>1/4/2020</a:t>
+              <a:t>1/5/2020</a:t>
             </a:fld>
             <a:endParaRPr lang="en-US" dirty="0"/>
           </a:p>
@@ -1696,7 +1710,7 @@
             <a:fld id="{B61BEF0D-F0BB-DE4B-95CE-6DB70DBA9567}" type="datetimeFigureOut">
               <a:rPr lang="en-US" dirty="0"/>
               <a:pPr/>
-              <a:t>1/4/2020</a:t>
+              <a:t>1/5/2020</a:t>
             </a:fld>
             <a:endParaRPr lang="en-US" dirty="0"/>
           </a:p>
@@ -2089,7 +2103,7 @@
             <a:fld id="{B61BEF0D-F0BB-DE4B-95CE-6DB70DBA9567}" type="datetimeFigureOut">
               <a:rPr lang="en-US" dirty="0"/>
               <a:pPr/>
-              <a:t>1/4/2020</a:t>
+              <a:t>1/5/2020</a:t>
             </a:fld>
             <a:endParaRPr lang="en-US" dirty="0"/>
           </a:p>
@@ -2343,7 +2357,7 @@
             <a:fld id="{B61BEF0D-F0BB-DE4B-95CE-6DB70DBA9567}" type="datetimeFigureOut">
               <a:rPr lang="en-US" dirty="0"/>
               <a:pPr/>
-              <a:t>1/4/2020</a:t>
+              <a:t>1/5/2020</a:t>
             </a:fld>
             <a:endParaRPr lang="en-US" dirty="0"/>
           </a:p>
@@ -2602,7 +2616,7 @@
             <a:fld id="{B61BEF0D-F0BB-DE4B-95CE-6DB70DBA9567}" type="datetimeFigureOut">
               <a:rPr lang="en-US" dirty="0"/>
               <a:pPr/>
-              <a:t>1/4/2020</a:t>
+              <a:t>1/5/2020</a:t>
             </a:fld>
             <a:endParaRPr lang="en-US" dirty="0"/>
           </a:p>
@@ -2861,7 +2875,7 @@
             <a:fld id="{B61BEF0D-F0BB-DE4B-95CE-6DB70DBA9567}" type="datetimeFigureOut">
               <a:rPr lang="en-US" dirty="0"/>
               <a:pPr/>
-              <a:t>1/4/2020</a:t>
+              <a:t>1/5/2020</a:t>
             </a:fld>
             <a:endParaRPr lang="en-US" dirty="0"/>
           </a:p>
@@ -3187,7 +3201,7 @@
             <a:fld id="{B61BEF0D-F0BB-DE4B-95CE-6DB70DBA9567}" type="datetimeFigureOut">
               <a:rPr lang="en-US" dirty="0"/>
               <a:pPr/>
-              <a:t>1/4/2020</a:t>
+              <a:t>1/5/2020</a:t>
             </a:fld>
             <a:endParaRPr lang="en-US" dirty="0"/>
           </a:p>
@@ -3507,7 +3521,7 @@
             <a:fld id="{B61BEF0D-F0BB-DE4B-95CE-6DB70DBA9567}" type="datetimeFigureOut">
               <a:rPr lang="en-US" dirty="0"/>
               <a:pPr/>
-              <a:t>1/4/2020</a:t>
+              <a:t>1/5/2020</a:t>
             </a:fld>
             <a:endParaRPr lang="en-US" dirty="0"/>
           </a:p>
@@ -3961,7 +3975,7 @@
             <a:fld id="{B61BEF0D-F0BB-DE4B-95CE-6DB70DBA9567}" type="datetimeFigureOut">
               <a:rPr lang="en-US" dirty="0"/>
               <a:pPr/>
-              <a:t>1/4/2020</a:t>
+              <a:t>1/5/2020</a:t>
             </a:fld>
             <a:endParaRPr lang="en-US" dirty="0"/>
           </a:p>
@@ -4163,7 +4177,7 @@
             <a:fld id="{B61BEF0D-F0BB-DE4B-95CE-6DB70DBA9567}" type="datetimeFigureOut">
               <a:rPr lang="en-US" dirty="0"/>
               <a:pPr/>
-              <a:t>1/4/2020</a:t>
+              <a:t>1/5/2020</a:t>
             </a:fld>
             <a:endParaRPr lang="en-US" dirty="0"/>
           </a:p>
@@ -4337,7 +4351,7 @@
             <a:fld id="{B61BEF0D-F0BB-DE4B-95CE-6DB70DBA9567}" type="datetimeFigureOut">
               <a:rPr lang="en-US" dirty="0"/>
               <a:pPr/>
-              <a:t>1/4/2020</a:t>
+              <a:t>1/5/2020</a:t>
             </a:fld>
             <a:endParaRPr lang="en-US" dirty="0"/>
           </a:p>
@@ -4667,7 +4681,7 @@
             <a:fld id="{B61BEF0D-F0BB-DE4B-95CE-6DB70DBA9567}" type="datetimeFigureOut">
               <a:rPr lang="en-US" dirty="0"/>
               <a:pPr/>
-              <a:t>1/4/2020</a:t>
+              <a:t>1/5/2020</a:t>
             </a:fld>
             <a:endParaRPr lang="en-US" dirty="0"/>
           </a:p>
@@ -5009,7 +5023,7 @@
             <a:fld id="{B61BEF0D-F0BB-DE4B-95CE-6DB70DBA9567}" type="datetimeFigureOut">
               <a:rPr lang="en-US" dirty="0"/>
               <a:pPr/>
-              <a:t>1/4/2020</a:t>
+              <a:t>1/5/2020</a:t>
             </a:fld>
             <a:endParaRPr lang="en-US" dirty="0"/>
           </a:p>
@@ -7123,7 +7137,7 @@
             <a:fld id="{B61BEF0D-F0BB-DE4B-95CE-6DB70DBA9567}" type="datetimeFigureOut">
               <a:rPr lang="en-US" dirty="0"/>
               <a:pPr/>
-              <a:t>1/4/2020</a:t>
+              <a:t>1/5/2020</a:t>
             </a:fld>
             <a:endParaRPr lang="en-US" dirty="0"/>
           </a:p>
@@ -8604,6 +8618,631 @@
           <p:cNvPr id="2" name="標題 1">
             <a:extLst>
               <a:ext uri="{FF2B5EF4-FFF2-40B4-BE49-F238E27FC236}">
+                <a16:creationId xmlns:a16="http://schemas.microsoft.com/office/drawing/2014/main" id="{9A72CE2B-8292-436B-94D9-2FE16FA6C067}"/>
+              </a:ext>
+            </a:extLst>
+          </p:cNvPr>
+          <p:cNvSpPr>
+            <a:spLocks noGrp="1"/>
+          </p:cNvSpPr>
+          <p:nvPr>
+            <p:ph type="title"/>
+          </p:nvPr>
+        </p:nvSpPr>
+        <p:spPr/>
+        <p:txBody>
+          <a:bodyPr/>
+          <a:lstStyle/>
+          <a:p>
+            <a:r>
+              <a:rPr lang="zh-TW" altLang="en-US" dirty="0"/>
+              <a:t>解密程式流程</a:t>
+            </a:r>
+          </a:p>
+        </p:txBody>
+      </p:sp>
+      <p:pic>
+        <p:nvPicPr>
+          <p:cNvPr id="5" name="內容版面配置區 4">
+            <a:extLst>
+              <a:ext uri="{FF2B5EF4-FFF2-40B4-BE49-F238E27FC236}">
+                <a16:creationId xmlns:a16="http://schemas.microsoft.com/office/drawing/2014/main" id="{0B819F38-43A5-438F-A5FF-52B80AA2F61B}"/>
+              </a:ext>
+            </a:extLst>
+          </p:cNvPr>
+          <p:cNvPicPr>
+            <a:picLocks noGrp="1" noChangeAspect="1"/>
+          </p:cNvPicPr>
+          <p:nvPr>
+            <p:ph idx="1"/>
+          </p:nvPr>
+        </p:nvPicPr>
+        <p:blipFill>
+          <a:blip r:embed="rId2"/>
+          <a:stretch>
+            <a:fillRect/>
+          </a:stretch>
+        </p:blipFill>
+        <p:spPr>
+          <a:xfrm>
+            <a:off x="1787044" y="1660124"/>
+            <a:ext cx="9551294" cy="4766631"/>
+          </a:xfrm>
+        </p:spPr>
+      </p:pic>
+    </p:spTree>
+    <p:extLst>
+      <p:ext uri="{BB962C8B-B14F-4D97-AF65-F5344CB8AC3E}">
+        <p14:creationId xmlns:p14="http://schemas.microsoft.com/office/powerpoint/2010/main" val="1483777167"/>
+      </p:ext>
+    </p:extLst>
+  </p:cSld>
+  <p:clrMapOvr>
+    <a:masterClrMapping/>
+  </p:clrMapOvr>
+</p:sld>
+</file>
+
+<file path=ppt/slides/slide14.xml><?xml version="1.0" encoding="utf-8"?>
+<p:sld xmlns:a="http://schemas.openxmlformats.org/drawingml/2006/main" xmlns:r="http://schemas.openxmlformats.org/officeDocument/2006/relationships" xmlns:p="http://schemas.openxmlformats.org/presentationml/2006/main">
+  <p:cSld>
+    <p:spTree>
+      <p:nvGrpSpPr>
+        <p:cNvPr id="1" name=""/>
+        <p:cNvGrpSpPr/>
+        <p:nvPr/>
+      </p:nvGrpSpPr>
+      <p:grpSpPr>
+        <a:xfrm>
+          <a:off x="0" y="0"/>
+          <a:ext cx="0" cy="0"/>
+          <a:chOff x="0" y="0"/>
+          <a:chExt cx="0" cy="0"/>
+        </a:xfrm>
+      </p:grpSpPr>
+      <p:sp>
+        <p:nvSpPr>
+          <p:cNvPr id="2" name="標題 1">
+            <a:extLst>
+              <a:ext uri="{FF2B5EF4-FFF2-40B4-BE49-F238E27FC236}">
+                <a16:creationId xmlns:a16="http://schemas.microsoft.com/office/drawing/2014/main" id="{DC294415-76A4-46D9-BDA3-D6F75C51116A}"/>
+              </a:ext>
+            </a:extLst>
+          </p:cNvPr>
+          <p:cNvSpPr>
+            <a:spLocks noGrp="1"/>
+          </p:cNvSpPr>
+          <p:nvPr>
+            <p:ph type="title"/>
+          </p:nvPr>
+        </p:nvSpPr>
+        <p:spPr>
+          <a:xfrm>
+            <a:off x="0" y="624110"/>
+            <a:ext cx="12191999" cy="1280890"/>
+          </a:xfrm>
+        </p:spPr>
+        <p:txBody>
+          <a:bodyPr/>
+          <a:lstStyle/>
+          <a:p>
+            <a:pPr algn="ctr"/>
+            <a:r>
+              <a:rPr lang="zh-TW" altLang="en-US" dirty="0"/>
+              <a:t>逆字節代換</a:t>
+            </a:r>
+          </a:p>
+        </p:txBody>
+      </p:sp>
+      <p:sp>
+        <p:nvSpPr>
+          <p:cNvPr id="6" name="文字方塊 5">
+            <a:extLst>
+              <a:ext uri="{FF2B5EF4-FFF2-40B4-BE49-F238E27FC236}">
+                <a16:creationId xmlns:a16="http://schemas.microsoft.com/office/drawing/2014/main" id="{9C84B116-7225-4542-B033-935F38A94252}"/>
+              </a:ext>
+            </a:extLst>
+          </p:cNvPr>
+          <p:cNvSpPr txBox="1"/>
+          <p:nvPr/>
+        </p:nvSpPr>
+        <p:spPr>
+          <a:xfrm>
+            <a:off x="7182033" y="715945"/>
+            <a:ext cx="2334827" cy="461665"/>
+          </a:xfrm>
+          <a:prstGeom prst="rect">
+            <a:avLst/>
+          </a:prstGeom>
+          <a:noFill/>
+        </p:spPr>
+        <p:txBody>
+          <a:bodyPr wrap="square" rtlCol="0">
+            <a:spAutoFit/>
+          </a:bodyPr>
+          <a:lstStyle/>
+          <a:p>
+            <a:r>
+              <a:rPr lang="en-US" altLang="zh-TW" sz="2400" dirty="0"/>
+              <a:t>(inv-</a:t>
+            </a:r>
+            <a:r>
+              <a:rPr lang="en-US" altLang="zh-TW" sz="2400" dirty="0" err="1"/>
+              <a:t>SubBytes</a:t>
+            </a:r>
+            <a:r>
+              <a:rPr lang="en-US" altLang="zh-TW" sz="2400" dirty="0"/>
+              <a:t>)</a:t>
+            </a:r>
+            <a:endParaRPr lang="zh-TW" altLang="en-US" sz="2400" dirty="0"/>
+          </a:p>
+        </p:txBody>
+      </p:sp>
+      <p:sp>
+        <p:nvSpPr>
+          <p:cNvPr id="7" name="文字方塊 6">
+            <a:extLst>
+              <a:ext uri="{FF2B5EF4-FFF2-40B4-BE49-F238E27FC236}">
+                <a16:creationId xmlns:a16="http://schemas.microsoft.com/office/drawing/2014/main" id="{4E61B0CA-2813-48DB-A33D-B618B0F0853C}"/>
+              </a:ext>
+            </a:extLst>
+          </p:cNvPr>
+          <p:cNvSpPr txBox="1"/>
+          <p:nvPr/>
+        </p:nvSpPr>
+        <p:spPr>
+          <a:xfrm>
+            <a:off x="2760956" y="1535668"/>
+            <a:ext cx="4578497" cy="461665"/>
+          </a:xfrm>
+          <a:prstGeom prst="rect">
+            <a:avLst/>
+          </a:prstGeom>
+          <a:noFill/>
+        </p:spPr>
+        <p:txBody>
+          <a:bodyPr wrap="none" rtlCol="0">
+            <a:spAutoFit/>
+          </a:bodyPr>
+          <a:lstStyle/>
+          <a:p>
+            <a:r>
+              <a:rPr lang="zh-TW" altLang="en-US" sz="2400" dirty="0"/>
+              <a:t>同字節代換規則，只變動查的表</a:t>
+            </a:r>
+            <a:r>
+              <a:rPr lang="en-US" altLang="zh-TW" sz="2400" dirty="0"/>
+              <a:t>:</a:t>
+            </a:r>
+            <a:endParaRPr lang="zh-TW" altLang="en-US" sz="2400" dirty="0"/>
+          </a:p>
+        </p:txBody>
+      </p:sp>
+      <p:pic>
+        <p:nvPicPr>
+          <p:cNvPr id="8" name="圖片 7">
+            <a:extLst>
+              <a:ext uri="{FF2B5EF4-FFF2-40B4-BE49-F238E27FC236}">
+                <a16:creationId xmlns:a16="http://schemas.microsoft.com/office/drawing/2014/main" id="{E188F63E-1CE2-4BE5-8151-432A43ECA45E}"/>
+              </a:ext>
+            </a:extLst>
+          </p:cNvPr>
+          <p:cNvPicPr>
+            <a:picLocks noChangeAspect="1"/>
+          </p:cNvPicPr>
+          <p:nvPr/>
+        </p:nvPicPr>
+        <p:blipFill>
+          <a:blip r:embed="rId2"/>
+          <a:stretch>
+            <a:fillRect/>
+          </a:stretch>
+        </p:blipFill>
+        <p:spPr>
+          <a:xfrm>
+            <a:off x="2760956" y="1996835"/>
+            <a:ext cx="7069661" cy="4743397"/>
+          </a:xfrm>
+          <a:prstGeom prst="rect">
+            <a:avLst/>
+          </a:prstGeom>
+        </p:spPr>
+      </p:pic>
+    </p:spTree>
+    <p:extLst>
+      <p:ext uri="{BB962C8B-B14F-4D97-AF65-F5344CB8AC3E}">
+        <p14:creationId xmlns:p14="http://schemas.microsoft.com/office/powerpoint/2010/main" val="1136747236"/>
+      </p:ext>
+    </p:extLst>
+  </p:cSld>
+  <p:clrMapOvr>
+    <a:masterClrMapping/>
+  </p:clrMapOvr>
+</p:sld>
+</file>
+
+<file path=ppt/slides/slide15.xml><?xml version="1.0" encoding="utf-8"?>
+<p:sld xmlns:a="http://schemas.openxmlformats.org/drawingml/2006/main" xmlns:r="http://schemas.openxmlformats.org/officeDocument/2006/relationships" xmlns:p="http://schemas.openxmlformats.org/presentationml/2006/main">
+  <p:cSld>
+    <p:spTree>
+      <p:nvGrpSpPr>
+        <p:cNvPr id="1" name=""/>
+        <p:cNvGrpSpPr/>
+        <p:nvPr/>
+      </p:nvGrpSpPr>
+      <p:grpSpPr>
+        <a:xfrm>
+          <a:off x="0" y="0"/>
+          <a:ext cx="0" cy="0"/>
+          <a:chOff x="0" y="0"/>
+          <a:chExt cx="0" cy="0"/>
+        </a:xfrm>
+      </p:grpSpPr>
+      <p:sp>
+        <p:nvSpPr>
+          <p:cNvPr id="2" name="標題 1">
+            <a:extLst>
+              <a:ext uri="{FF2B5EF4-FFF2-40B4-BE49-F238E27FC236}">
+                <a16:creationId xmlns:a16="http://schemas.microsoft.com/office/drawing/2014/main" id="{CBACA15C-6EA8-481B-9B9F-CBDC805F2EFF}"/>
+              </a:ext>
+            </a:extLst>
+          </p:cNvPr>
+          <p:cNvSpPr>
+            <a:spLocks noGrp="1"/>
+          </p:cNvSpPr>
+          <p:nvPr>
+            <p:ph type="title"/>
+          </p:nvPr>
+        </p:nvSpPr>
+        <p:spPr>
+          <a:xfrm>
+            <a:off x="0" y="624110"/>
+            <a:ext cx="12191999" cy="1280890"/>
+          </a:xfrm>
+        </p:spPr>
+        <p:txBody>
+          <a:bodyPr/>
+          <a:lstStyle/>
+          <a:p>
+            <a:pPr algn="ctr"/>
+            <a:r>
+              <a:rPr lang="zh-TW" altLang="en-US" dirty="0"/>
+              <a:t>逆列移位</a:t>
+            </a:r>
+          </a:p>
+        </p:txBody>
+      </p:sp>
+      <p:sp>
+        <p:nvSpPr>
+          <p:cNvPr id="4" name="文字方塊 3">
+            <a:extLst>
+              <a:ext uri="{FF2B5EF4-FFF2-40B4-BE49-F238E27FC236}">
+                <a16:creationId xmlns:a16="http://schemas.microsoft.com/office/drawing/2014/main" id="{5B187500-5AA1-4952-8D8A-85434EDDE846}"/>
+              </a:ext>
+            </a:extLst>
+          </p:cNvPr>
+          <p:cNvSpPr txBox="1"/>
+          <p:nvPr/>
+        </p:nvSpPr>
+        <p:spPr>
+          <a:xfrm>
+            <a:off x="7046912" y="715945"/>
+            <a:ext cx="3773010" cy="461665"/>
+          </a:xfrm>
+          <a:prstGeom prst="rect">
+            <a:avLst/>
+          </a:prstGeom>
+          <a:noFill/>
+        </p:spPr>
+        <p:txBody>
+          <a:bodyPr wrap="square" rtlCol="0">
+            <a:spAutoFit/>
+          </a:bodyPr>
+          <a:lstStyle/>
+          <a:p>
+            <a:r>
+              <a:rPr lang="en-US" altLang="zh-TW" sz="2400" dirty="0"/>
+              <a:t>(inv-</a:t>
+            </a:r>
+            <a:r>
+              <a:rPr lang="en-US" altLang="zh-TW" sz="2400" dirty="0" err="1"/>
+              <a:t>shiftrows</a:t>
+            </a:r>
+            <a:r>
+              <a:rPr lang="en-US" altLang="zh-TW" sz="2400" dirty="0"/>
+              <a:t>)</a:t>
+            </a:r>
+            <a:endParaRPr lang="zh-TW" altLang="en-US" sz="2400" dirty="0"/>
+          </a:p>
+        </p:txBody>
+      </p:sp>
+      <p:sp>
+        <p:nvSpPr>
+          <p:cNvPr id="5" name="文字方塊 4">
+            <a:extLst>
+              <a:ext uri="{FF2B5EF4-FFF2-40B4-BE49-F238E27FC236}">
+                <a16:creationId xmlns:a16="http://schemas.microsoft.com/office/drawing/2014/main" id="{629490E7-8EC6-4F6B-95B0-DDA5C368AFF8}"/>
+              </a:ext>
+            </a:extLst>
+          </p:cNvPr>
+          <p:cNvSpPr txBox="1"/>
+          <p:nvPr/>
+        </p:nvSpPr>
+        <p:spPr>
+          <a:xfrm>
+            <a:off x="2772012" y="1714697"/>
+            <a:ext cx="6647974" cy="1107996"/>
+          </a:xfrm>
+          <a:prstGeom prst="rect">
+            <a:avLst/>
+          </a:prstGeom>
+          <a:noFill/>
+        </p:spPr>
+        <p:txBody>
+          <a:bodyPr wrap="none" rtlCol="0">
+            <a:spAutoFit/>
+          </a:bodyPr>
+          <a:lstStyle/>
+          <a:p>
+            <a:r>
+              <a:rPr lang="zh-TW" altLang="en-US" sz="2400" dirty="0"/>
+              <a:t>將當前陣列，第一列不動，第二列往</a:t>
+            </a:r>
+            <a:r>
+              <a:rPr lang="zh-TW" altLang="en-US" sz="2400" dirty="0">
+                <a:solidFill>
+                  <a:srgbClr val="FF0000"/>
+                </a:solidFill>
+              </a:rPr>
+              <a:t>右</a:t>
+            </a:r>
+            <a:r>
+              <a:rPr lang="zh-TW" altLang="en-US" sz="2400" dirty="0"/>
+              <a:t>移一格，</a:t>
+            </a:r>
+            <a:endParaRPr lang="en-US" altLang="zh-TW" sz="2400" dirty="0"/>
+          </a:p>
+          <a:p>
+            <a:r>
+              <a:rPr lang="zh-TW" altLang="en-US" sz="2400" dirty="0"/>
+              <a:t>第三列往</a:t>
+            </a:r>
+            <a:r>
+              <a:rPr lang="zh-TW" altLang="en-US" sz="2400" dirty="0">
+                <a:solidFill>
+                  <a:srgbClr val="FF0000"/>
+                </a:solidFill>
+              </a:rPr>
+              <a:t>右</a:t>
+            </a:r>
+            <a:r>
+              <a:rPr lang="zh-TW" altLang="en-US" sz="2400" dirty="0"/>
+              <a:t>移兩格</a:t>
+            </a:r>
+            <a:r>
+              <a:rPr lang="en-US" altLang="zh-TW" sz="2400" dirty="0"/>
+              <a:t>….</a:t>
+            </a:r>
+            <a:r>
+              <a:rPr lang="zh-TW" altLang="en-US" sz="2400" dirty="0"/>
+              <a:t>以此類推</a:t>
+            </a:r>
+          </a:p>
+          <a:p>
+            <a:endParaRPr lang="zh-TW" altLang="en-US" dirty="0"/>
+          </a:p>
+        </p:txBody>
+      </p:sp>
+    </p:spTree>
+    <p:extLst>
+      <p:ext uri="{BB962C8B-B14F-4D97-AF65-F5344CB8AC3E}">
+        <p14:creationId xmlns:p14="http://schemas.microsoft.com/office/powerpoint/2010/main" val="4117406947"/>
+      </p:ext>
+    </p:extLst>
+  </p:cSld>
+  <p:clrMapOvr>
+    <a:masterClrMapping/>
+  </p:clrMapOvr>
+</p:sld>
+</file>
+
+<file path=ppt/slides/slide16.xml><?xml version="1.0" encoding="utf-8"?>
+<p:sld xmlns:a="http://schemas.openxmlformats.org/drawingml/2006/main" xmlns:r="http://schemas.openxmlformats.org/officeDocument/2006/relationships" xmlns:p="http://schemas.openxmlformats.org/presentationml/2006/main">
+  <p:cSld>
+    <p:spTree>
+      <p:nvGrpSpPr>
+        <p:cNvPr id="1" name=""/>
+        <p:cNvGrpSpPr/>
+        <p:nvPr/>
+      </p:nvGrpSpPr>
+      <p:grpSpPr>
+        <a:xfrm>
+          <a:off x="0" y="0"/>
+          <a:ext cx="0" cy="0"/>
+          <a:chOff x="0" y="0"/>
+          <a:chExt cx="0" cy="0"/>
+        </a:xfrm>
+      </p:grpSpPr>
+      <p:sp>
+        <p:nvSpPr>
+          <p:cNvPr id="2" name="標題 1">
+            <a:extLst>
+              <a:ext uri="{FF2B5EF4-FFF2-40B4-BE49-F238E27FC236}">
+                <a16:creationId xmlns:a16="http://schemas.microsoft.com/office/drawing/2014/main" id="{7910C29A-77D7-448F-9EC5-8200806C12A7}"/>
+              </a:ext>
+            </a:extLst>
+          </p:cNvPr>
+          <p:cNvSpPr>
+            <a:spLocks noGrp="1"/>
+          </p:cNvSpPr>
+          <p:nvPr>
+            <p:ph type="title"/>
+          </p:nvPr>
+        </p:nvSpPr>
+        <p:spPr>
+          <a:xfrm>
+            <a:off x="0" y="624110"/>
+            <a:ext cx="12191999" cy="1280890"/>
+          </a:xfrm>
+        </p:spPr>
+        <p:txBody>
+          <a:bodyPr/>
+          <a:lstStyle/>
+          <a:p>
+            <a:pPr algn="ctr"/>
+            <a:r>
+              <a:rPr lang="zh-TW" altLang="en-US" dirty="0"/>
+              <a:t>逆行混合</a:t>
+            </a:r>
+          </a:p>
+        </p:txBody>
+      </p:sp>
+      <p:pic>
+        <p:nvPicPr>
+          <p:cNvPr id="4" name="內容版面配置區 3">
+            <a:extLst>
+              <a:ext uri="{FF2B5EF4-FFF2-40B4-BE49-F238E27FC236}">
+                <a16:creationId xmlns:a16="http://schemas.microsoft.com/office/drawing/2014/main" id="{C5E6D4BB-A38D-4AEC-AD4C-A7B961B67BCF}"/>
+              </a:ext>
+            </a:extLst>
+          </p:cNvPr>
+          <p:cNvPicPr>
+            <a:picLocks noGrp="1" noChangeAspect="1"/>
+          </p:cNvPicPr>
+          <p:nvPr>
+            <p:ph idx="1"/>
+          </p:nvPr>
+        </p:nvPicPr>
+        <p:blipFill>
+          <a:blip r:embed="rId2"/>
+          <a:stretch>
+            <a:fillRect/>
+          </a:stretch>
+        </p:blipFill>
+        <p:spPr>
+          <a:xfrm>
+            <a:off x="3113088" y="3170237"/>
+            <a:ext cx="7867650" cy="1704975"/>
+          </a:xfrm>
+          <a:prstGeom prst="rect">
+            <a:avLst/>
+          </a:prstGeom>
+        </p:spPr>
+      </p:pic>
+      <p:sp>
+        <p:nvSpPr>
+          <p:cNvPr id="5" name="文字方塊 4">
+            <a:extLst>
+              <a:ext uri="{FF2B5EF4-FFF2-40B4-BE49-F238E27FC236}">
+                <a16:creationId xmlns:a16="http://schemas.microsoft.com/office/drawing/2014/main" id="{CDF6CB6F-4060-4EEF-9260-95CE986D39B1}"/>
+              </a:ext>
+            </a:extLst>
+          </p:cNvPr>
+          <p:cNvSpPr txBox="1"/>
+          <p:nvPr/>
+        </p:nvSpPr>
+        <p:spPr>
+          <a:xfrm>
+            <a:off x="7046913" y="701335"/>
+            <a:ext cx="2677336" cy="461665"/>
+          </a:xfrm>
+          <a:prstGeom prst="rect">
+            <a:avLst/>
+          </a:prstGeom>
+          <a:noFill/>
+        </p:spPr>
+        <p:txBody>
+          <a:bodyPr wrap="none" rtlCol="0">
+            <a:spAutoFit/>
+          </a:bodyPr>
+          <a:lstStyle/>
+          <a:p>
+            <a:r>
+              <a:rPr lang="en-US" altLang="zh-TW" sz="2400" dirty="0"/>
+              <a:t>(Inv-</a:t>
+            </a:r>
+            <a:r>
+              <a:rPr lang="en-US" altLang="zh-TW" sz="2400" dirty="0" err="1"/>
+              <a:t>Mixcolumns</a:t>
+            </a:r>
+            <a:r>
+              <a:rPr lang="en-US" altLang="zh-TW" sz="2400" dirty="0"/>
+              <a:t>)</a:t>
+            </a:r>
+            <a:endParaRPr lang="zh-TW" altLang="en-US" sz="2400" dirty="0"/>
+          </a:p>
+        </p:txBody>
+      </p:sp>
+      <p:sp>
+        <p:nvSpPr>
+          <p:cNvPr id="6" name="文字方塊 5">
+            <a:extLst>
+              <a:ext uri="{FF2B5EF4-FFF2-40B4-BE49-F238E27FC236}">
+                <a16:creationId xmlns:a16="http://schemas.microsoft.com/office/drawing/2014/main" id="{B014317A-79F0-4F79-BA58-5D25B623735D}"/>
+              </a:ext>
+            </a:extLst>
+          </p:cNvPr>
+          <p:cNvSpPr txBox="1"/>
+          <p:nvPr/>
+        </p:nvSpPr>
+        <p:spPr>
+          <a:xfrm>
+            <a:off x="3113088" y="1751392"/>
+            <a:ext cx="4185761" cy="461665"/>
+          </a:xfrm>
+          <a:prstGeom prst="rect">
+            <a:avLst/>
+          </a:prstGeom>
+          <a:noFill/>
+        </p:spPr>
+        <p:txBody>
+          <a:bodyPr wrap="none" rtlCol="0">
+            <a:spAutoFit/>
+          </a:bodyPr>
+          <a:lstStyle/>
+          <a:p>
+            <a:r>
+              <a:rPr lang="zh-TW" altLang="en-US" sz="2400" dirty="0"/>
+              <a:t>同行混合，只改變了乘的矩陣</a:t>
+            </a:r>
+          </a:p>
+        </p:txBody>
+      </p:sp>
+    </p:spTree>
+    <p:extLst>
+      <p:ext uri="{BB962C8B-B14F-4D97-AF65-F5344CB8AC3E}">
+        <p14:creationId xmlns:p14="http://schemas.microsoft.com/office/powerpoint/2010/main" val="2786463854"/>
+      </p:ext>
+    </p:extLst>
+  </p:cSld>
+  <p:clrMapOvr>
+    <a:masterClrMapping/>
+  </p:clrMapOvr>
+</p:sld>
+</file>
+
+<file path=ppt/slides/slide17.xml><?xml version="1.0" encoding="utf-8"?>
+<p:sld xmlns:a="http://schemas.openxmlformats.org/drawingml/2006/main" xmlns:r="http://schemas.openxmlformats.org/officeDocument/2006/relationships" xmlns:p="http://schemas.openxmlformats.org/presentationml/2006/main">
+  <p:cSld>
+    <p:spTree>
+      <p:nvGrpSpPr>
+        <p:cNvPr id="1" name=""/>
+        <p:cNvGrpSpPr/>
+        <p:nvPr/>
+      </p:nvGrpSpPr>
+      <p:grpSpPr>
+        <a:xfrm>
+          <a:off x="0" y="0"/>
+          <a:ext cx="0" cy="0"/>
+          <a:chOff x="0" y="0"/>
+          <a:chExt cx="0" cy="0"/>
+        </a:xfrm>
+      </p:grpSpPr>
+      <p:sp>
+        <p:nvSpPr>
+          <p:cNvPr id="2" name="標題 1">
+            <a:extLst>
+              <a:ext uri="{FF2B5EF4-FFF2-40B4-BE49-F238E27FC236}">
                 <a16:creationId xmlns:a16="http://schemas.microsoft.com/office/drawing/2014/main" id="{1BD0ADA5-7002-45EA-8DEA-D3C1E93D57FE}"/>
               </a:ext>
             </a:extLst>
@@ -8690,7 +9329,7 @@
 </p:sld>
 </file>
 
-<file path=ppt/slides/slide14.xml><?xml version="1.0" encoding="utf-8"?>
+<file path=ppt/slides/slide18.xml><?xml version="1.0" encoding="utf-8"?>
 <p:sld xmlns:a="http://schemas.openxmlformats.org/drawingml/2006/main" xmlns:r="http://schemas.openxmlformats.org/officeDocument/2006/relationships" xmlns:p="http://schemas.openxmlformats.org/presentationml/2006/main">
   <p:cSld>
     <p:spTree>
@@ -8830,7 +9469,7 @@
 </p:sld>
 </file>
 
-<file path=ppt/slides/slide15.xml><?xml version="1.0" encoding="utf-8"?>
+<file path=ppt/slides/slide19.xml><?xml version="1.0" encoding="utf-8"?>
 <p:sld xmlns:a="http://schemas.openxmlformats.org/drawingml/2006/main" xmlns:r="http://schemas.openxmlformats.org/officeDocument/2006/relationships" xmlns:p="http://schemas.openxmlformats.org/presentationml/2006/main">
   <p:cSld>
     <p:spTree>
@@ -8947,7 +9586,122 @@
 </p:sld>
 </file>
 
-<file path=ppt/slides/slide16.xml><?xml version="1.0" encoding="utf-8"?>
+<file path=ppt/slides/slide2.xml><?xml version="1.0" encoding="utf-8"?>
+<p:sld xmlns:a="http://schemas.openxmlformats.org/drawingml/2006/main" xmlns:r="http://schemas.openxmlformats.org/officeDocument/2006/relationships" xmlns:p="http://schemas.openxmlformats.org/presentationml/2006/main">
+  <p:cSld>
+    <p:spTree>
+      <p:nvGrpSpPr>
+        <p:cNvPr id="1" name=""/>
+        <p:cNvGrpSpPr/>
+        <p:nvPr/>
+      </p:nvGrpSpPr>
+      <p:grpSpPr>
+        <a:xfrm>
+          <a:off x="0" y="0"/>
+          <a:ext cx="0" cy="0"/>
+          <a:chOff x="0" y="0"/>
+          <a:chExt cx="0" cy="0"/>
+        </a:xfrm>
+      </p:grpSpPr>
+      <p:sp>
+        <p:nvSpPr>
+          <p:cNvPr id="2" name="標題 1">
+            <a:extLst>
+              <a:ext uri="{FF2B5EF4-FFF2-40B4-BE49-F238E27FC236}">
+                <a16:creationId xmlns:a16="http://schemas.microsoft.com/office/drawing/2014/main" id="{4246C261-0DA0-4627-8F38-8FE14875FDAC}"/>
+              </a:ext>
+            </a:extLst>
+          </p:cNvPr>
+          <p:cNvSpPr>
+            <a:spLocks noGrp="1"/>
+          </p:cNvSpPr>
+          <p:nvPr>
+            <p:ph type="title"/>
+          </p:nvPr>
+        </p:nvSpPr>
+        <p:spPr>
+          <a:xfrm>
+            <a:off x="1944856" y="482068"/>
+            <a:ext cx="8911687" cy="1280890"/>
+          </a:xfrm>
+        </p:spPr>
+        <p:txBody>
+          <a:bodyPr>
+            <a:normAutofit/>
+          </a:bodyPr>
+          <a:lstStyle/>
+          <a:p>
+            <a:pPr algn="ctr"/>
+            <a:r>
+              <a:rPr lang="zh-TW" altLang="en-US" sz="4800" dirty="0"/>
+              <a:t>架構</a:t>
+            </a:r>
+          </a:p>
+        </p:txBody>
+      </p:sp>
+      <p:pic>
+        <p:nvPicPr>
+          <p:cNvPr id="1026" name="Picture 2">
+            <a:extLst>
+              <a:ext uri="{FF2B5EF4-FFF2-40B4-BE49-F238E27FC236}">
+                <a16:creationId xmlns:a16="http://schemas.microsoft.com/office/drawing/2014/main" id="{8CD92E82-2BFD-4B4D-92A0-AF4A8545B328}"/>
+              </a:ext>
+            </a:extLst>
+          </p:cNvPr>
+          <p:cNvPicPr>
+            <a:picLocks noGrp="1" noChangeAspect="1" noChangeArrowheads="1"/>
+          </p:cNvPicPr>
+          <p:nvPr>
+            <p:ph idx="1"/>
+          </p:nvPr>
+        </p:nvPicPr>
+        <p:blipFill>
+          <a:blip r:embed="rId2">
+            <a:extLst>
+              <a:ext uri="{28A0092B-C50C-407E-A947-70E740481C1C}">
+                <a14:useLocalDpi xmlns:a14="http://schemas.microsoft.com/office/drawing/2010/main" val="0"/>
+              </a:ext>
+            </a:extLst>
+          </a:blip>
+          <a:srcRect/>
+          <a:stretch>
+            <a:fillRect/>
+          </a:stretch>
+        </p:blipFill>
+        <p:spPr bwMode="auto">
+          <a:xfrm>
+            <a:off x="1944856" y="2061431"/>
+            <a:ext cx="9264002" cy="3762319"/>
+          </a:xfrm>
+          <a:prstGeom prst="rect">
+            <a:avLst/>
+          </a:prstGeom>
+          <a:noFill/>
+          <a:extLst>
+            <a:ext uri="{909E8E84-426E-40DD-AFC4-6F175D3DCCD1}">
+              <a14:hiddenFill xmlns:a14="http://schemas.microsoft.com/office/drawing/2010/main">
+                <a:solidFill>
+                  <a:srgbClr val="FFFFFF"/>
+                </a:solidFill>
+              </a14:hiddenFill>
+            </a:ext>
+          </a:extLst>
+        </p:spPr>
+      </p:pic>
+    </p:spTree>
+    <p:extLst>
+      <p:ext uri="{BB962C8B-B14F-4D97-AF65-F5344CB8AC3E}">
+        <p14:creationId xmlns:p14="http://schemas.microsoft.com/office/powerpoint/2010/main" val="1233820534"/>
+      </p:ext>
+    </p:extLst>
+  </p:cSld>
+  <p:clrMapOvr>
+    <a:masterClrMapping/>
+  </p:clrMapOvr>
+</p:sld>
+</file>
+
+<file path=ppt/slides/slide20.xml><?xml version="1.0" encoding="utf-8"?>
 <p:sld xmlns:a="http://schemas.openxmlformats.org/drawingml/2006/main" xmlns:r="http://schemas.openxmlformats.org/officeDocument/2006/relationships" xmlns:p="http://schemas.openxmlformats.org/presentationml/2006/main">
   <p:cSld>
     <p:spTree>
@@ -9064,7 +9818,7 @@
 </p:sld>
 </file>
 
-<file path=ppt/slides/slide17.xml><?xml version="1.0" encoding="utf-8"?>
+<file path=ppt/slides/slide21.xml><?xml version="1.0" encoding="utf-8"?>
 <p:sld xmlns:a="http://schemas.openxmlformats.org/drawingml/2006/main" xmlns:r="http://schemas.openxmlformats.org/officeDocument/2006/relationships" xmlns:p="http://schemas.openxmlformats.org/presentationml/2006/main">
   <p:cSld>
     <p:spTree>
@@ -9114,6 +9868,54 @@
           </a:p>
         </p:txBody>
       </p:sp>
+      <p:sp>
+        <p:nvSpPr>
+          <p:cNvPr id="3" name="文字方塊 2">
+            <a:extLst>
+              <a:ext uri="{FF2B5EF4-FFF2-40B4-BE49-F238E27FC236}">
+                <a16:creationId xmlns:a16="http://schemas.microsoft.com/office/drawing/2014/main" id="{8A9AEBC7-EC52-4765-A64E-F563BCCDB805}"/>
+              </a:ext>
+            </a:extLst>
+          </p:cNvPr>
+          <p:cNvSpPr txBox="1"/>
+          <p:nvPr/>
+        </p:nvSpPr>
+        <p:spPr>
+          <a:xfrm>
+            <a:off x="1811044" y="2876365"/>
+            <a:ext cx="9528699" cy="923330"/>
+          </a:xfrm>
+          <a:prstGeom prst="rect">
+            <a:avLst/>
+          </a:prstGeom>
+          <a:noFill/>
+        </p:spPr>
+        <p:txBody>
+          <a:bodyPr wrap="square" rtlCol="0">
+            <a:spAutoFit/>
+          </a:bodyPr>
+          <a:lstStyle/>
+          <a:p>
+            <a:r>
+              <a:rPr lang="zh-TW" altLang="en-US" sz="5400" u="sng" dirty="0"/>
+              <a:t>平行架構整合查表法</a:t>
+            </a:r>
+            <a:r>
+              <a:rPr lang="en-US" altLang="zh-TW" sz="5400" u="sng" dirty="0"/>
+              <a:t>(</a:t>
+            </a:r>
+            <a:r>
+              <a:rPr lang="zh-TW" altLang="en-US" sz="5400" u="sng" dirty="0"/>
+              <a:t>加密電路</a:t>
+            </a:r>
+            <a:r>
+              <a:rPr lang="en-US" altLang="zh-TW" sz="5400" u="sng" dirty="0"/>
+              <a:t>)</a:t>
+            </a:r>
+            <a:endParaRPr lang="zh-TW" altLang="en-US" sz="5400" u="sng" dirty="0"/>
+          </a:p>
+        </p:txBody>
+      </p:sp>
     </p:spTree>
     <p:extLst>
       <p:ext uri="{BB962C8B-B14F-4D97-AF65-F5344CB8AC3E}">
@@ -9127,7 +9929,7 @@
 </p:sld>
 </file>
 
-<file path=ppt/slides/slide18.xml><?xml version="1.0" encoding="utf-8"?>
+<file path=ppt/slides/slide22.xml><?xml version="1.0" encoding="utf-8"?>
 <p:sld xmlns:a="http://schemas.openxmlformats.org/drawingml/2006/main" xmlns:r="http://schemas.openxmlformats.org/officeDocument/2006/relationships" xmlns:p="http://schemas.openxmlformats.org/presentationml/2006/main">
   <p:cSld>
     <p:spTree>
@@ -9149,7 +9951,7 @@
           <p:cNvPr id="2" name="標題 1">
             <a:extLst>
               <a:ext uri="{FF2B5EF4-FFF2-40B4-BE49-F238E27FC236}">
-                <a16:creationId xmlns:a16="http://schemas.microsoft.com/office/drawing/2014/main" id="{4E26C61B-05E5-4C49-9544-3176914F6091}"/>
+                <a16:creationId xmlns:a16="http://schemas.microsoft.com/office/drawing/2014/main" id="{F0FCED4A-3D1D-4AD2-B0B4-B162605FA897}"/>
               </a:ext>
             </a:extLst>
           </p:cNvPr>
@@ -9160,93 +9962,133 @@
             <p:ph type="title"/>
           </p:nvPr>
         </p:nvSpPr>
-        <p:spPr/>
+        <p:spPr>
+          <a:xfrm>
+            <a:off x="1" y="624110"/>
+            <a:ext cx="12192000" cy="1280890"/>
+          </a:xfrm>
+        </p:spPr>
         <p:txBody>
           <a:bodyPr/>
           <a:lstStyle/>
           <a:p>
+            <a:pPr algn="ctr"/>
             <a:r>
               <a:rPr lang="zh-TW" altLang="en-US" dirty="0"/>
-              <a:t>參考網址</a:t>
-            </a:r>
-          </a:p>
-        </p:txBody>
-      </p:sp>
-      <p:sp>
-        <p:nvSpPr>
-          <p:cNvPr id="4" name="矩形 3">
+              <a:t>平行架構整合查表法</a:t>
+            </a:r>
+            <a:r>
+              <a:rPr lang="en-US" altLang="zh-TW" dirty="0"/>
+              <a:t>(</a:t>
+            </a:r>
+            <a:r>
+              <a:rPr lang="zh-TW" altLang="en-US" dirty="0"/>
+              <a:t>加密電路</a:t>
+            </a:r>
+            <a:r>
+              <a:rPr lang="en-US" altLang="zh-TW" dirty="0"/>
+              <a:t>)</a:t>
+            </a:r>
+            <a:br>
+              <a:rPr lang="zh-TW" altLang="en-US" u="sng" dirty="0"/>
+            </a:br>
+            <a:endParaRPr lang="zh-TW" altLang="en-US" dirty="0"/>
+          </a:p>
+        </p:txBody>
+      </p:sp>
+      <p:sp>
+        <p:nvSpPr>
+          <p:cNvPr id="4" name="文字方塊 3">
             <a:extLst>
               <a:ext uri="{FF2B5EF4-FFF2-40B4-BE49-F238E27FC236}">
-                <a16:creationId xmlns:a16="http://schemas.microsoft.com/office/drawing/2014/main" id="{ABBC9346-F5F8-46E4-956C-9F2C426E758B}"/>
+                <a16:creationId xmlns:a16="http://schemas.microsoft.com/office/drawing/2014/main" id="{2179ECBD-4E2E-48AA-8161-2D08F6C77F40}"/>
               </a:ext>
             </a:extLst>
           </p:cNvPr>
-          <p:cNvSpPr/>
+          <p:cNvSpPr txBox="1"/>
           <p:nvPr/>
         </p:nvSpPr>
         <p:spPr>
           <a:xfrm>
-            <a:off x="2488707" y="1609052"/>
-            <a:ext cx="6096000" cy="923330"/>
+            <a:off x="2006354" y="1674167"/>
+            <a:ext cx="9360255" cy="461665"/>
           </a:xfrm>
           <a:prstGeom prst="rect">
             <a:avLst/>
           </a:prstGeom>
-        </p:spPr>
-        <p:txBody>
-          <a:bodyPr>
+          <a:noFill/>
+        </p:spPr>
+        <p:txBody>
+          <a:bodyPr wrap="none" rtlCol="0">
             <a:spAutoFit/>
           </a:bodyPr>
           <a:lstStyle/>
           <a:p>
             <a:r>
-              <a:rPr lang="en-US" altLang="zh-TW" dirty="0">
-                <a:hlinkClick r:id="rId2"/>
-              </a:rPr>
-              <a:t>https://blog.csdn.net/qq_28205153/article/details/55798628?fbclid=IwAR0wOPNUt0ntWz1ljXvmLFOKfBRH1iSgF4_GYXP4OMgxg4SKI8CF7s5d02g</a:t>
-            </a:r>
-            <a:endParaRPr lang="zh-TW" altLang="en-US" dirty="0"/>
-          </a:p>
-        </p:txBody>
-      </p:sp>
-      <p:sp>
-        <p:nvSpPr>
-          <p:cNvPr id="5" name="矩形 4">
+              <a:rPr lang="zh-TW" altLang="en-US" sz="2400" dirty="0"/>
+              <a:t>整合</a:t>
+            </a:r>
+            <a:r>
+              <a:rPr lang="en-US" altLang="zh-TW" sz="2400" dirty="0" err="1"/>
+              <a:t>SubBytes</a:t>
+            </a:r>
+            <a:r>
+              <a:rPr lang="zh-TW" altLang="en-US" sz="2400" dirty="0"/>
+              <a:t>、</a:t>
+            </a:r>
+            <a:r>
+              <a:rPr lang="en-US" altLang="zh-TW" sz="2400" dirty="0" err="1"/>
+              <a:t>ShiftRows</a:t>
+            </a:r>
+            <a:r>
+              <a:rPr lang="zh-TW" altLang="en-US" sz="2400" dirty="0"/>
+              <a:t>、</a:t>
+            </a:r>
+            <a:r>
+              <a:rPr lang="en-US" altLang="zh-TW" sz="2400" dirty="0" err="1"/>
+              <a:t>MixColumns</a:t>
+            </a:r>
+            <a:r>
+              <a:rPr lang="zh-TW" altLang="en-US" sz="2400" dirty="0"/>
+              <a:t>運算為一 個整合查表電路</a:t>
+            </a:r>
+          </a:p>
+        </p:txBody>
+      </p:sp>
+      <p:pic>
+        <p:nvPicPr>
+          <p:cNvPr id="5" name="圖片 4">
             <a:extLst>
               <a:ext uri="{FF2B5EF4-FFF2-40B4-BE49-F238E27FC236}">
-                <a16:creationId xmlns:a16="http://schemas.microsoft.com/office/drawing/2014/main" id="{5A4FFEE7-92A5-4772-9ACE-2678208882F2}"/>
+                <a16:creationId xmlns:a16="http://schemas.microsoft.com/office/drawing/2014/main" id="{AFE154A4-6F20-473C-B06E-6327EDB41442}"/>
               </a:ext>
             </a:extLst>
           </p:cNvPr>
-          <p:cNvSpPr/>
+          <p:cNvPicPr>
+            <a:picLocks noChangeAspect="1"/>
+          </p:cNvPicPr>
           <p:nvPr/>
-        </p:nvSpPr>
+        </p:nvPicPr>
+        <p:blipFill>
+          <a:blip r:embed="rId2"/>
+          <a:stretch>
+            <a:fillRect/>
+          </a:stretch>
+        </p:blipFill>
         <p:spPr>
           <a:xfrm>
-            <a:off x="2488707" y="3105834"/>
-            <a:ext cx="6096000" cy="646331"/>
+            <a:off x="6096000" y="2135832"/>
+            <a:ext cx="3589538" cy="4712087"/>
           </a:xfrm>
           <a:prstGeom prst="rect">
             <a:avLst/>
           </a:prstGeom>
         </p:spPr>
-        <p:txBody>
-          <a:bodyPr>
-            <a:spAutoFit/>
-          </a:bodyPr>
-          <a:lstStyle/>
-          <a:p>
-            <a:r>
-              <a:rPr lang="zh-TW" altLang="en-US" dirty="0"/>
-              <a:t>https://ir.nctu.edu.tw/bitstream/11536/41079/3/751403.pdf</a:t>
-            </a:r>
-          </a:p>
-        </p:txBody>
-      </p:sp>
+      </p:pic>
     </p:spTree>
     <p:extLst>
       <p:ext uri="{BB962C8B-B14F-4D97-AF65-F5344CB8AC3E}">
-        <p14:creationId xmlns:p14="http://schemas.microsoft.com/office/powerpoint/2010/main" val="1769182824"/>
+        <p14:creationId xmlns:p14="http://schemas.microsoft.com/office/powerpoint/2010/main" val="4061081571"/>
       </p:ext>
     </p:extLst>
   </p:cSld>
@@ -9256,7 +10098,7 @@
 </p:sld>
 </file>
 
-<file path=ppt/slides/slide2.xml><?xml version="1.0" encoding="utf-8"?>
+<file path=ppt/slides/slide23.xml><?xml version="1.0" encoding="utf-8"?>
 <p:sld xmlns:a="http://schemas.openxmlformats.org/drawingml/2006/main" xmlns:r="http://schemas.openxmlformats.org/officeDocument/2006/relationships" xmlns:p="http://schemas.openxmlformats.org/presentationml/2006/main">
   <p:cSld>
     <p:spTree>
@@ -9275,10 +10117,502 @@
       </p:grpSpPr>
       <p:sp>
         <p:nvSpPr>
+          <p:cNvPr id="4" name="文字方塊 3">
+            <a:extLst>
+              <a:ext uri="{FF2B5EF4-FFF2-40B4-BE49-F238E27FC236}">
+                <a16:creationId xmlns:a16="http://schemas.microsoft.com/office/drawing/2014/main" id="{F1E6E82D-2F25-4FFE-B45B-914F733AB5F0}"/>
+              </a:ext>
+            </a:extLst>
+          </p:cNvPr>
+          <p:cNvSpPr txBox="1"/>
+          <p:nvPr/>
+        </p:nvSpPr>
+        <p:spPr>
+          <a:xfrm>
+            <a:off x="1961965" y="932155"/>
+            <a:ext cx="457176" cy="646331"/>
+          </a:xfrm>
+          <a:prstGeom prst="rect">
+            <a:avLst/>
+          </a:prstGeom>
+          <a:noFill/>
+        </p:spPr>
+        <p:txBody>
+          <a:bodyPr wrap="none" rtlCol="0">
+            <a:spAutoFit/>
+          </a:bodyPr>
+          <a:lstStyle/>
+          <a:p>
+            <a:r>
+              <a:rPr lang="en-US" altLang="zh-TW" sz="3600" dirty="0"/>
+              <a:t>P</a:t>
+            </a:r>
+            <a:endParaRPr lang="zh-TW" altLang="en-US" sz="3600" dirty="0"/>
+          </a:p>
+        </p:txBody>
+      </p:sp>
+      <p:sp>
+        <p:nvSpPr>
+          <p:cNvPr id="5" name="文字方塊 4">
+            <a:extLst>
+              <a:ext uri="{FF2B5EF4-FFF2-40B4-BE49-F238E27FC236}">
+                <a16:creationId xmlns:a16="http://schemas.microsoft.com/office/drawing/2014/main" id="{084A3740-4CE4-4279-83FC-3A55E9C710A2}"/>
+              </a:ext>
+            </a:extLst>
+          </p:cNvPr>
+          <p:cNvSpPr txBox="1"/>
+          <p:nvPr/>
+        </p:nvSpPr>
+        <p:spPr>
+          <a:xfrm>
+            <a:off x="5575176" y="932155"/>
+            <a:ext cx="713657" cy="646331"/>
+          </a:xfrm>
+          <a:prstGeom prst="rect">
+            <a:avLst/>
+          </a:prstGeom>
+          <a:noFill/>
+        </p:spPr>
+        <p:txBody>
+          <a:bodyPr wrap="none" rtlCol="0">
+            <a:spAutoFit/>
+          </a:bodyPr>
+          <a:lstStyle/>
+          <a:p>
+            <a:r>
+              <a:rPr lang="en-US" altLang="zh-TW" sz="3600" dirty="0"/>
+              <a:t>2P</a:t>
+            </a:r>
+            <a:endParaRPr lang="zh-TW" altLang="en-US" sz="3600" dirty="0"/>
+          </a:p>
+        </p:txBody>
+      </p:sp>
+      <p:sp>
+        <p:nvSpPr>
+          <p:cNvPr id="6" name="文字方塊 5">
+            <a:extLst>
+              <a:ext uri="{FF2B5EF4-FFF2-40B4-BE49-F238E27FC236}">
+                <a16:creationId xmlns:a16="http://schemas.microsoft.com/office/drawing/2014/main" id="{05CF7E57-0835-4044-B5AE-31962A4B2479}"/>
+              </a:ext>
+            </a:extLst>
+          </p:cNvPr>
+          <p:cNvSpPr txBox="1"/>
+          <p:nvPr/>
+        </p:nvSpPr>
+        <p:spPr>
+          <a:xfrm>
+            <a:off x="9444868" y="932154"/>
+            <a:ext cx="713657" cy="646331"/>
+          </a:xfrm>
+          <a:prstGeom prst="rect">
+            <a:avLst/>
+          </a:prstGeom>
+          <a:noFill/>
+        </p:spPr>
+        <p:txBody>
+          <a:bodyPr wrap="none" rtlCol="0">
+            <a:spAutoFit/>
+          </a:bodyPr>
+          <a:lstStyle/>
+          <a:p>
+            <a:r>
+              <a:rPr lang="en-US" altLang="zh-TW" sz="3600" dirty="0"/>
+              <a:t>3P</a:t>
+            </a:r>
+            <a:endParaRPr lang="zh-TW" altLang="en-US" sz="3600" dirty="0"/>
+          </a:p>
+        </p:txBody>
+      </p:sp>
+      <p:pic>
+        <p:nvPicPr>
+          <p:cNvPr id="7" name="圖片 6">
+            <a:extLst>
+              <a:ext uri="{FF2B5EF4-FFF2-40B4-BE49-F238E27FC236}">
+                <a16:creationId xmlns:a16="http://schemas.microsoft.com/office/drawing/2014/main" id="{250D32E0-0102-4E2E-AB59-4C0D41BC0543}"/>
+              </a:ext>
+            </a:extLst>
+          </p:cNvPr>
+          <p:cNvPicPr>
+            <a:picLocks noChangeAspect="1"/>
+          </p:cNvPicPr>
+          <p:nvPr/>
+        </p:nvPicPr>
+        <p:blipFill>
+          <a:blip r:embed="rId2"/>
+          <a:stretch>
+            <a:fillRect/>
+          </a:stretch>
+        </p:blipFill>
+        <p:spPr>
+          <a:xfrm>
+            <a:off x="3856797" y="2655928"/>
+            <a:ext cx="4150413" cy="3145630"/>
+          </a:xfrm>
+          <a:prstGeom prst="rect">
+            <a:avLst/>
+          </a:prstGeom>
+        </p:spPr>
+      </p:pic>
+      <p:pic>
+        <p:nvPicPr>
+          <p:cNvPr id="8" name="圖片 7">
+            <a:extLst>
+              <a:ext uri="{FF2B5EF4-FFF2-40B4-BE49-F238E27FC236}">
+                <a16:creationId xmlns:a16="http://schemas.microsoft.com/office/drawing/2014/main" id="{B0AC51D7-604C-40CB-AE1A-BD1BE6A3748F}"/>
+              </a:ext>
+            </a:extLst>
+          </p:cNvPr>
+          <p:cNvPicPr>
+            <a:picLocks noChangeAspect="1"/>
+          </p:cNvPicPr>
+          <p:nvPr/>
+        </p:nvPicPr>
+        <p:blipFill>
+          <a:blip r:embed="rId3"/>
+          <a:stretch>
+            <a:fillRect/>
+          </a:stretch>
+        </p:blipFill>
+        <p:spPr>
+          <a:xfrm>
+            <a:off x="7990792" y="2655928"/>
+            <a:ext cx="4150413" cy="3130568"/>
+          </a:xfrm>
+          <a:prstGeom prst="rect">
+            <a:avLst/>
+          </a:prstGeom>
+        </p:spPr>
+      </p:pic>
+      <p:pic>
+        <p:nvPicPr>
+          <p:cNvPr id="9" name="圖片 8">
+            <a:extLst>
+              <a:ext uri="{FF2B5EF4-FFF2-40B4-BE49-F238E27FC236}">
+                <a16:creationId xmlns:a16="http://schemas.microsoft.com/office/drawing/2014/main" id="{2E98BAF6-D115-4B33-8EBC-ECBCBEC3D72E}"/>
+              </a:ext>
+            </a:extLst>
+          </p:cNvPr>
+          <p:cNvPicPr>
+            <a:picLocks noChangeAspect="1"/>
+          </p:cNvPicPr>
+          <p:nvPr/>
+        </p:nvPicPr>
+        <p:blipFill>
+          <a:blip r:embed="rId4"/>
+          <a:stretch>
+            <a:fillRect/>
+          </a:stretch>
+        </p:blipFill>
+        <p:spPr>
+          <a:xfrm>
+            <a:off x="27768" y="2655928"/>
+            <a:ext cx="3868394" cy="2614354"/>
+          </a:xfrm>
+          <a:prstGeom prst="rect">
+            <a:avLst/>
+          </a:prstGeom>
+        </p:spPr>
+      </p:pic>
+    </p:spTree>
+    <p:extLst>
+      <p:ext uri="{BB962C8B-B14F-4D97-AF65-F5344CB8AC3E}">
+        <p14:creationId xmlns:p14="http://schemas.microsoft.com/office/powerpoint/2010/main" val="644075365"/>
+      </p:ext>
+    </p:extLst>
+  </p:cSld>
+  <p:clrMapOvr>
+    <a:masterClrMapping/>
+  </p:clrMapOvr>
+</p:sld>
+</file>
+
+<file path=ppt/slides/slide24.xml><?xml version="1.0" encoding="utf-8"?>
+<p:sld xmlns:a="http://schemas.openxmlformats.org/drawingml/2006/main" xmlns:r="http://schemas.openxmlformats.org/officeDocument/2006/relationships" xmlns:p="http://schemas.openxmlformats.org/presentationml/2006/main">
+  <p:cSld>
+    <p:spTree>
+      <p:nvGrpSpPr>
+        <p:cNvPr id="1" name=""/>
+        <p:cNvGrpSpPr/>
+        <p:nvPr/>
+      </p:nvGrpSpPr>
+      <p:grpSpPr>
+        <a:xfrm>
+          <a:off x="0" y="0"/>
+          <a:ext cx="0" cy="0"/>
+          <a:chOff x="0" y="0"/>
+          <a:chExt cx="0" cy="0"/>
+        </a:xfrm>
+      </p:grpSpPr>
+      <p:pic>
+        <p:nvPicPr>
+          <p:cNvPr id="4" name="圖片 3">
+            <a:extLst>
+              <a:ext uri="{FF2B5EF4-FFF2-40B4-BE49-F238E27FC236}">
+                <a16:creationId xmlns:a16="http://schemas.microsoft.com/office/drawing/2014/main" id="{C042E5A9-EF8B-4731-8A8E-A0D9791E28B7}"/>
+              </a:ext>
+            </a:extLst>
+          </p:cNvPr>
+          <p:cNvPicPr>
+            <a:picLocks noChangeAspect="1"/>
+          </p:cNvPicPr>
+          <p:nvPr/>
+        </p:nvPicPr>
+        <p:blipFill>
+          <a:blip r:embed="rId2"/>
+          <a:stretch>
+            <a:fillRect/>
+          </a:stretch>
+        </p:blipFill>
+        <p:spPr>
+          <a:xfrm>
+            <a:off x="1933786" y="-2289"/>
+            <a:ext cx="4242111" cy="6860289"/>
+          </a:xfrm>
+          <a:prstGeom prst="rect">
+            <a:avLst/>
+          </a:prstGeom>
+        </p:spPr>
+      </p:pic>
+      <p:sp>
+        <p:nvSpPr>
+          <p:cNvPr id="5" name="文字方塊 4">
+            <a:extLst>
+              <a:ext uri="{FF2B5EF4-FFF2-40B4-BE49-F238E27FC236}">
+                <a16:creationId xmlns:a16="http://schemas.microsoft.com/office/drawing/2014/main" id="{651F80FD-CBF9-455E-9CD5-926C4B51B0AE}"/>
+              </a:ext>
+            </a:extLst>
+          </p:cNvPr>
+          <p:cNvSpPr txBox="1"/>
+          <p:nvPr/>
+        </p:nvSpPr>
+        <p:spPr>
+          <a:xfrm>
+            <a:off x="6551720" y="1225118"/>
+            <a:ext cx="4047903" cy="461665"/>
+          </a:xfrm>
+          <a:prstGeom prst="rect">
+            <a:avLst/>
+          </a:prstGeom>
+          <a:noFill/>
+        </p:spPr>
+        <p:txBody>
+          <a:bodyPr wrap="none" rtlCol="0">
+            <a:spAutoFit/>
+          </a:bodyPr>
+          <a:lstStyle/>
+          <a:p>
+            <a:r>
+              <a:rPr lang="zh-TW" altLang="en-US" sz="2400" dirty="0"/>
+              <a:t>一個回合的運算，要重複</a:t>
+            </a:r>
+            <a:r>
+              <a:rPr lang="en-US" altLang="zh-TW" sz="2400" dirty="0"/>
+              <a:t>9</a:t>
+            </a:r>
+            <a:r>
+              <a:rPr lang="zh-TW" altLang="en-US" sz="2400" dirty="0"/>
+              <a:t>次</a:t>
+            </a:r>
+          </a:p>
+        </p:txBody>
+      </p:sp>
+    </p:spTree>
+    <p:extLst>
+      <p:ext uri="{BB962C8B-B14F-4D97-AF65-F5344CB8AC3E}">
+        <p14:creationId xmlns:p14="http://schemas.microsoft.com/office/powerpoint/2010/main" val="1831747755"/>
+      </p:ext>
+    </p:extLst>
+  </p:cSld>
+  <p:clrMapOvr>
+    <a:masterClrMapping/>
+  </p:clrMapOvr>
+</p:sld>
+</file>
+
+<file path=ppt/slides/slide25.xml><?xml version="1.0" encoding="utf-8"?>
+<p:sld xmlns:a="http://schemas.openxmlformats.org/drawingml/2006/main" xmlns:r="http://schemas.openxmlformats.org/officeDocument/2006/relationships" xmlns:p="http://schemas.openxmlformats.org/presentationml/2006/main">
+  <p:cSld>
+    <p:spTree>
+      <p:nvGrpSpPr>
+        <p:cNvPr id="1" name=""/>
+        <p:cNvGrpSpPr/>
+        <p:nvPr/>
+      </p:nvGrpSpPr>
+      <p:grpSpPr>
+        <a:xfrm>
+          <a:off x="0" y="0"/>
+          <a:ext cx="0" cy="0"/>
+          <a:chOff x="0" y="0"/>
+          <a:chExt cx="0" cy="0"/>
+        </a:xfrm>
+      </p:grpSpPr>
+      <p:pic>
+        <p:nvPicPr>
+          <p:cNvPr id="4" name="圖片 3">
+            <a:extLst>
+              <a:ext uri="{FF2B5EF4-FFF2-40B4-BE49-F238E27FC236}">
+                <a16:creationId xmlns:a16="http://schemas.microsoft.com/office/drawing/2014/main" id="{9949B607-3CCE-46FC-AF1D-F44AA76F7111}"/>
+              </a:ext>
+            </a:extLst>
+          </p:cNvPr>
+          <p:cNvPicPr>
+            <a:picLocks noChangeAspect="1"/>
+          </p:cNvPicPr>
+          <p:nvPr/>
+        </p:nvPicPr>
+        <p:blipFill>
+          <a:blip r:embed="rId2"/>
+          <a:stretch>
+            <a:fillRect/>
+          </a:stretch>
+        </p:blipFill>
+        <p:spPr>
+          <a:xfrm>
+            <a:off x="1389863" y="2067018"/>
+            <a:ext cx="4600575" cy="1676400"/>
+          </a:xfrm>
+          <a:prstGeom prst="rect">
+            <a:avLst/>
+          </a:prstGeom>
+        </p:spPr>
+      </p:pic>
+      <p:pic>
+        <p:nvPicPr>
+          <p:cNvPr id="5" name="圖片 4">
+            <a:extLst>
+              <a:ext uri="{FF2B5EF4-FFF2-40B4-BE49-F238E27FC236}">
+                <a16:creationId xmlns:a16="http://schemas.microsoft.com/office/drawing/2014/main" id="{CF470218-84D6-4691-8F27-E0B5CA2F50FD}"/>
+              </a:ext>
+            </a:extLst>
+          </p:cNvPr>
+          <p:cNvPicPr>
+            <a:picLocks noChangeAspect="1"/>
+          </p:cNvPicPr>
+          <p:nvPr/>
+        </p:nvPicPr>
+        <p:blipFill>
+          <a:blip r:embed="rId3"/>
+          <a:stretch>
+            <a:fillRect/>
+          </a:stretch>
+        </p:blipFill>
+        <p:spPr>
+          <a:xfrm>
+            <a:off x="6563280" y="190500"/>
+            <a:ext cx="1924050" cy="6477000"/>
+          </a:xfrm>
+          <a:prstGeom prst="rect">
+            <a:avLst/>
+          </a:prstGeom>
+        </p:spPr>
+      </p:pic>
+      <p:sp>
+        <p:nvSpPr>
+          <p:cNvPr id="6" name="文字方塊 5">
+            <a:extLst>
+              <a:ext uri="{FF2B5EF4-FFF2-40B4-BE49-F238E27FC236}">
+                <a16:creationId xmlns:a16="http://schemas.microsoft.com/office/drawing/2014/main" id="{05A315A4-8CC1-4AB5-85CB-F1D447363B50}"/>
+              </a:ext>
+            </a:extLst>
+          </p:cNvPr>
+          <p:cNvSpPr txBox="1"/>
+          <p:nvPr/>
+        </p:nvSpPr>
+        <p:spPr>
+          <a:xfrm>
+            <a:off x="6044263" y="2582052"/>
+            <a:ext cx="465192" cy="646331"/>
+          </a:xfrm>
+          <a:prstGeom prst="rect">
+            <a:avLst/>
+          </a:prstGeom>
+          <a:noFill/>
+        </p:spPr>
+        <p:txBody>
+          <a:bodyPr wrap="none" rtlCol="0">
+            <a:spAutoFit/>
+          </a:bodyPr>
+          <a:lstStyle/>
+          <a:p>
+            <a:r>
+              <a:rPr lang="en-US" altLang="zh-TW" sz="3600" dirty="0"/>
+              <a:t>+</a:t>
+            </a:r>
+            <a:endParaRPr lang="zh-TW" altLang="en-US" sz="3600" dirty="0"/>
+          </a:p>
+        </p:txBody>
+      </p:sp>
+      <p:sp>
+        <p:nvSpPr>
+          <p:cNvPr id="7" name="文字方塊 6">
+            <a:extLst>
+              <a:ext uri="{FF2B5EF4-FFF2-40B4-BE49-F238E27FC236}">
+                <a16:creationId xmlns:a16="http://schemas.microsoft.com/office/drawing/2014/main" id="{2B5A5E2D-B385-445A-A3C5-E489F06BE6EC}"/>
+              </a:ext>
+            </a:extLst>
+          </p:cNvPr>
+          <p:cNvSpPr txBox="1"/>
+          <p:nvPr/>
+        </p:nvSpPr>
+        <p:spPr>
+          <a:xfrm>
+            <a:off x="8953640" y="2674384"/>
+            <a:ext cx="2031325" cy="461665"/>
+          </a:xfrm>
+          <a:prstGeom prst="rect">
+            <a:avLst/>
+          </a:prstGeom>
+          <a:noFill/>
+        </p:spPr>
+        <p:txBody>
+          <a:bodyPr wrap="none" rtlCol="0">
+            <a:spAutoFit/>
+          </a:bodyPr>
+          <a:lstStyle/>
+          <a:p>
+            <a:r>
+              <a:rPr lang="zh-TW" altLang="en-US" sz="2400" dirty="0"/>
+              <a:t>最後一個回合</a:t>
+            </a:r>
+          </a:p>
+        </p:txBody>
+      </p:sp>
+    </p:spTree>
+    <p:extLst>
+      <p:ext uri="{BB962C8B-B14F-4D97-AF65-F5344CB8AC3E}">
+        <p14:creationId xmlns:p14="http://schemas.microsoft.com/office/powerpoint/2010/main" val="2650427293"/>
+      </p:ext>
+    </p:extLst>
+  </p:cSld>
+  <p:clrMapOvr>
+    <a:masterClrMapping/>
+  </p:clrMapOvr>
+</p:sld>
+</file>
+
+<file path=ppt/slides/slide26.xml><?xml version="1.0" encoding="utf-8"?>
+<p:sld xmlns:a="http://schemas.openxmlformats.org/drawingml/2006/main" xmlns:r="http://schemas.openxmlformats.org/officeDocument/2006/relationships" xmlns:p="http://schemas.openxmlformats.org/presentationml/2006/main">
+  <p:cSld>
+    <p:spTree>
+      <p:nvGrpSpPr>
+        <p:cNvPr id="1" name=""/>
+        <p:cNvGrpSpPr/>
+        <p:nvPr/>
+      </p:nvGrpSpPr>
+      <p:grpSpPr>
+        <a:xfrm>
+          <a:off x="0" y="0"/>
+          <a:ext cx="0" cy="0"/>
+          <a:chOff x="0" y="0"/>
+          <a:chExt cx="0" cy="0"/>
+        </a:xfrm>
+      </p:grpSpPr>
+      <p:sp>
+        <p:nvSpPr>
           <p:cNvPr id="2" name="標題 1">
             <a:extLst>
               <a:ext uri="{FF2B5EF4-FFF2-40B4-BE49-F238E27FC236}">
-                <a16:creationId xmlns:a16="http://schemas.microsoft.com/office/drawing/2014/main" id="{4246C261-0DA0-4627-8F38-8FE14875FDAC}"/>
+                <a16:creationId xmlns:a16="http://schemas.microsoft.com/office/drawing/2014/main" id="{FE6BE91B-C4F6-41D7-897E-C9763AE75833}"/>
               </a:ext>
             </a:extLst>
           </p:cNvPr>
@@ -9291,77 +10625,201 @@
         </p:nvSpPr>
         <p:spPr>
           <a:xfrm>
-            <a:off x="1944856" y="482068"/>
+            <a:off x="1553593" y="593778"/>
             <a:ext cx="8911687" cy="1280890"/>
           </a:xfrm>
         </p:spPr>
         <p:txBody>
-          <a:bodyPr>
-            <a:normAutofit/>
-          </a:bodyPr>
-          <a:lstStyle/>
-          <a:p>
-            <a:pPr algn="ctr"/>
-            <a:r>
-              <a:rPr lang="zh-TW" altLang="en-US" sz="4800" dirty="0"/>
-              <a:t>架構</a:t>
-            </a:r>
-          </a:p>
-        </p:txBody>
-      </p:sp>
-      <p:pic>
-        <p:nvPicPr>
-          <p:cNvPr id="1026" name="Picture 2">
+          <a:bodyPr/>
+          <a:lstStyle/>
+          <a:p>
+            <a:r>
+              <a:rPr lang="zh-TW" altLang="en-US" dirty="0"/>
+              <a:t>優點</a:t>
+            </a:r>
+            <a:r>
+              <a:rPr lang="en-US" altLang="zh-TW" dirty="0"/>
+              <a:t>:</a:t>
+            </a:r>
+            <a:endParaRPr lang="zh-TW" altLang="en-US" dirty="0"/>
+          </a:p>
+        </p:txBody>
+      </p:sp>
+      <p:sp>
+        <p:nvSpPr>
+          <p:cNvPr id="4" name="文字方塊 3">
             <a:extLst>
               <a:ext uri="{FF2B5EF4-FFF2-40B4-BE49-F238E27FC236}">
-                <a16:creationId xmlns:a16="http://schemas.microsoft.com/office/drawing/2014/main" id="{8CD92E82-2BFD-4B4D-92A0-AF4A8545B328}"/>
+                <a16:creationId xmlns:a16="http://schemas.microsoft.com/office/drawing/2014/main" id="{AB004BEA-7870-41CC-BF4D-B3C7DC2CAF47}"/>
               </a:ext>
             </a:extLst>
           </p:cNvPr>
-          <p:cNvPicPr>
-            <a:picLocks noGrp="1" noChangeAspect="1" noChangeArrowheads="1"/>
-          </p:cNvPicPr>
-          <p:nvPr>
-            <p:ph idx="1"/>
-          </p:nvPr>
-        </p:nvPicPr>
-        <p:blipFill>
-          <a:blip r:embed="rId2">
-            <a:extLst>
-              <a:ext uri="{28A0092B-C50C-407E-A947-70E740481C1C}">
-                <a14:useLocalDpi xmlns:a14="http://schemas.microsoft.com/office/drawing/2010/main" val="0"/>
-              </a:ext>
-            </a:extLst>
-          </a:blip>
-          <a:srcRect/>
-          <a:stretch>
-            <a:fillRect/>
-          </a:stretch>
-        </p:blipFill>
-        <p:spPr bwMode="auto">
-          <a:xfrm>
-            <a:off x="1944856" y="2061431"/>
-            <a:ext cx="9264002" cy="3762319"/>
+          <p:cNvSpPr txBox="1"/>
+          <p:nvPr/>
+        </p:nvSpPr>
+        <p:spPr>
+          <a:xfrm>
+            <a:off x="1553593" y="1874668"/>
+            <a:ext cx="9725739" cy="830997"/>
           </a:xfrm>
           <a:prstGeom prst="rect">
             <a:avLst/>
           </a:prstGeom>
           <a:noFill/>
-          <a:extLst>
-            <a:ext uri="{909E8E84-426E-40DD-AFC4-6F175D3DCCD1}">
-              <a14:hiddenFill xmlns:a14="http://schemas.microsoft.com/office/drawing/2010/main">
-                <a:solidFill>
-                  <a:srgbClr val="FFFFFF"/>
-                </a:solidFill>
-              </a14:hiddenFill>
-            </a:ext>
-          </a:extLst>
-        </p:spPr>
-      </p:pic>
+        </p:spPr>
+        <p:txBody>
+          <a:bodyPr wrap="none" rtlCol="0">
+            <a:spAutoFit/>
+          </a:bodyPr>
+          <a:lstStyle/>
+          <a:p>
+            <a:r>
+              <a:rPr lang="zh-TW" altLang="en-US" sz="2400" dirty="0"/>
+              <a:t>把每輪運算的動作變成查表的方法，讓要做的運算變成只有查表和相加</a:t>
+            </a:r>
+            <a:endParaRPr lang="en-US" altLang="zh-TW" sz="2400" dirty="0"/>
+          </a:p>
+          <a:p>
+            <a:r>
+              <a:rPr lang="zh-TW" altLang="en-US" sz="2400" dirty="0"/>
+              <a:t>，簡單很多</a:t>
+            </a:r>
+          </a:p>
+        </p:txBody>
+      </p:sp>
     </p:spTree>
     <p:extLst>
       <p:ext uri="{BB962C8B-B14F-4D97-AF65-F5344CB8AC3E}">
-        <p14:creationId xmlns:p14="http://schemas.microsoft.com/office/powerpoint/2010/main" val="1233820534"/>
+        <p14:creationId xmlns:p14="http://schemas.microsoft.com/office/powerpoint/2010/main" val="4030344672"/>
+      </p:ext>
+    </p:extLst>
+  </p:cSld>
+  <p:clrMapOvr>
+    <a:masterClrMapping/>
+  </p:clrMapOvr>
+</p:sld>
+</file>
+
+<file path=ppt/slides/slide27.xml><?xml version="1.0" encoding="utf-8"?>
+<p:sld xmlns:a="http://schemas.openxmlformats.org/drawingml/2006/main" xmlns:r="http://schemas.openxmlformats.org/officeDocument/2006/relationships" xmlns:p="http://schemas.openxmlformats.org/presentationml/2006/main">
+  <p:cSld>
+    <p:spTree>
+      <p:nvGrpSpPr>
+        <p:cNvPr id="1" name=""/>
+        <p:cNvGrpSpPr/>
+        <p:nvPr/>
+      </p:nvGrpSpPr>
+      <p:grpSpPr>
+        <a:xfrm>
+          <a:off x="0" y="0"/>
+          <a:ext cx="0" cy="0"/>
+          <a:chOff x="0" y="0"/>
+          <a:chExt cx="0" cy="0"/>
+        </a:xfrm>
+      </p:grpSpPr>
+      <p:sp>
+        <p:nvSpPr>
+          <p:cNvPr id="2" name="標題 1">
+            <a:extLst>
+              <a:ext uri="{FF2B5EF4-FFF2-40B4-BE49-F238E27FC236}">
+                <a16:creationId xmlns:a16="http://schemas.microsoft.com/office/drawing/2014/main" id="{4E26C61B-05E5-4C49-9544-3176914F6091}"/>
+              </a:ext>
+            </a:extLst>
+          </p:cNvPr>
+          <p:cNvSpPr>
+            <a:spLocks noGrp="1"/>
+          </p:cNvSpPr>
+          <p:nvPr>
+            <p:ph type="title"/>
+          </p:nvPr>
+        </p:nvSpPr>
+        <p:spPr/>
+        <p:txBody>
+          <a:bodyPr/>
+          <a:lstStyle/>
+          <a:p>
+            <a:r>
+              <a:rPr lang="zh-TW" altLang="en-US" dirty="0"/>
+              <a:t>參考網址</a:t>
+            </a:r>
+          </a:p>
+        </p:txBody>
+      </p:sp>
+      <p:sp>
+        <p:nvSpPr>
+          <p:cNvPr id="4" name="矩形 3">
+            <a:extLst>
+              <a:ext uri="{FF2B5EF4-FFF2-40B4-BE49-F238E27FC236}">
+                <a16:creationId xmlns:a16="http://schemas.microsoft.com/office/drawing/2014/main" id="{ABBC9346-F5F8-46E4-956C-9F2C426E758B}"/>
+              </a:ext>
+            </a:extLst>
+          </p:cNvPr>
+          <p:cNvSpPr/>
+          <p:nvPr/>
+        </p:nvSpPr>
+        <p:spPr>
+          <a:xfrm>
+            <a:off x="2488707" y="1609052"/>
+            <a:ext cx="6096000" cy="923330"/>
+          </a:xfrm>
+          <a:prstGeom prst="rect">
+            <a:avLst/>
+          </a:prstGeom>
+        </p:spPr>
+        <p:txBody>
+          <a:bodyPr>
+            <a:spAutoFit/>
+          </a:bodyPr>
+          <a:lstStyle/>
+          <a:p>
+            <a:r>
+              <a:rPr lang="en-US" altLang="zh-TW" dirty="0">
+                <a:hlinkClick r:id="rId2"/>
+              </a:rPr>
+              <a:t>https://blog.csdn.net/qq_28205153/article/details/55798628?fbclid=IwAR0wOPNUt0ntWz1ljXvmLFOKfBRH1iSgF4_GYXP4OMgxg4SKI8CF7s5d02g</a:t>
+            </a:r>
+            <a:endParaRPr lang="zh-TW" altLang="en-US" dirty="0"/>
+          </a:p>
+        </p:txBody>
+      </p:sp>
+      <p:sp>
+        <p:nvSpPr>
+          <p:cNvPr id="5" name="矩形 4">
+            <a:extLst>
+              <a:ext uri="{FF2B5EF4-FFF2-40B4-BE49-F238E27FC236}">
+                <a16:creationId xmlns:a16="http://schemas.microsoft.com/office/drawing/2014/main" id="{5A4FFEE7-92A5-4772-9ACE-2678208882F2}"/>
+              </a:ext>
+            </a:extLst>
+          </p:cNvPr>
+          <p:cNvSpPr/>
+          <p:nvPr/>
+        </p:nvSpPr>
+        <p:spPr>
+          <a:xfrm>
+            <a:off x="2488707" y="3105834"/>
+            <a:ext cx="6096000" cy="646331"/>
+          </a:xfrm>
+          <a:prstGeom prst="rect">
+            <a:avLst/>
+          </a:prstGeom>
+        </p:spPr>
+        <p:txBody>
+          <a:bodyPr>
+            <a:spAutoFit/>
+          </a:bodyPr>
+          <a:lstStyle/>
+          <a:p>
+            <a:r>
+              <a:rPr lang="zh-TW" altLang="en-US" dirty="0"/>
+              <a:t>https://ir.nctu.edu.tw/bitstream/11536/41079/3/751403.pdf</a:t>
+            </a:r>
+          </a:p>
+        </p:txBody>
+      </p:sp>
+    </p:spTree>
+    <p:extLst>
+      <p:ext uri="{BB962C8B-B14F-4D97-AF65-F5344CB8AC3E}">
+        <p14:creationId xmlns:p14="http://schemas.microsoft.com/office/powerpoint/2010/main" val="1769182824"/>
       </p:ext>
     </p:extLst>
   </p:cSld>

--- a/final_project/AES加密&解密.pptx
+++ b/final_project/AES加密&解密.pptx
@@ -10050,7 +10050,15 @@
             </a:r>
             <a:r>
               <a:rPr lang="zh-TW" altLang="en-US" sz="2400" dirty="0"/>
-              <a:t>運算為一 個整合查表電路</a:t>
+              <a:t>運算</a:t>
+            </a:r>
+            <a:r>
+              <a:rPr lang="zh-TW" altLang="en-US" sz="2400"/>
+              <a:t>為一個</a:t>
+            </a:r>
+            <a:r>
+              <a:rPr lang="zh-TW" altLang="en-US" sz="2400" dirty="0"/>
+              <a:t>整合查表電路</a:t>
             </a:r>
           </a:p>
         </p:txBody>
@@ -10759,8 +10767,8 @@
         </p:nvSpPr>
         <p:spPr>
           <a:xfrm>
-            <a:off x="2488707" y="1609052"/>
-            <a:ext cx="6096000" cy="923330"/>
+            <a:off x="2641107" y="4059550"/>
+            <a:ext cx="6096000" cy="369332"/>
           </a:xfrm>
           <a:prstGeom prst="rect">
             <a:avLst/>
@@ -10776,7 +10784,7 @@
               <a:rPr lang="en-US" altLang="zh-TW" dirty="0">
                 <a:hlinkClick r:id="rId2"/>
               </a:rPr>
-              <a:t>https://blog.csdn.net/qq_28205153/article/details/55798628?fbclid=IwAR0wOPNUt0ntWz1ljXvmLFOKfBRH1iSgF4_GYXP4OMgxg4SKI8CF7s5d02g</a:t>
+              <a:t>https://www.itread01.com/content/1541892089.html</a:t>
             </a:r>
             <a:endParaRPr lang="zh-TW" altLang="en-US" dirty="0"/>
           </a:p>
@@ -10796,7 +10804,7 @@
         </p:nvSpPr>
         <p:spPr>
           <a:xfrm>
-            <a:off x="2488707" y="3105834"/>
+            <a:off x="2641107" y="3049000"/>
             <a:ext cx="6096000" cy="646331"/>
           </a:xfrm>
           <a:prstGeom prst="rect">
@@ -10810,9 +10818,49 @@
           <a:lstStyle/>
           <a:p>
             <a:r>
-              <a:rPr lang="zh-TW" altLang="en-US" dirty="0"/>
+              <a:rPr lang="en-US" altLang="zh-TW" dirty="0">
+                <a:hlinkClick r:id="rId3"/>
+              </a:rPr>
               <a:t>https://ir.nctu.edu.tw/bitstream/11536/41079/3/751403.pdf</a:t>
             </a:r>
+            <a:endParaRPr lang="zh-TW" altLang="en-US" dirty="0"/>
+          </a:p>
+        </p:txBody>
+      </p:sp>
+      <p:sp>
+        <p:nvSpPr>
+          <p:cNvPr id="6" name="矩形 5">
+            <a:extLst>
+              <a:ext uri="{FF2B5EF4-FFF2-40B4-BE49-F238E27FC236}">
+                <a16:creationId xmlns:a16="http://schemas.microsoft.com/office/drawing/2014/main" id="{4EF82E05-EC85-4B05-834F-53F7989607A5}"/>
+              </a:ext>
+            </a:extLst>
+          </p:cNvPr>
+          <p:cNvSpPr/>
+          <p:nvPr/>
+        </p:nvSpPr>
+        <p:spPr>
+          <a:xfrm>
+            <a:off x="2641107" y="1761452"/>
+            <a:ext cx="6096000" cy="923330"/>
+          </a:xfrm>
+          <a:prstGeom prst="rect">
+            <a:avLst/>
+          </a:prstGeom>
+        </p:spPr>
+        <p:txBody>
+          <a:bodyPr>
+            <a:spAutoFit/>
+          </a:bodyPr>
+          <a:lstStyle/>
+          <a:p>
+            <a:r>
+              <a:rPr lang="en-US" altLang="zh-TW" dirty="0">
+                <a:hlinkClick r:id="rId4"/>
+              </a:rPr>
+              <a:t>https://blog.csdn.net/qq_28205153/article/details/55798628?fbclid=IwAR0wOPNUt0ntWz1ljXvmLFOKfBRH1iSgF4_GYXP4OMgxg4SKI8CF7s5d02g</a:t>
+            </a:r>
+            <a:endParaRPr lang="zh-TW" altLang="en-US" dirty="0"/>
           </a:p>
         </p:txBody>
       </p:sp>

--- a/final_project/AES加密&解密.pptx
+++ b/final_project/AES加密&解密.pptx
@@ -28,10 +28,13 @@
     <p:sldId id="264" r:id="rId22"/>
     <p:sldId id="280" r:id="rId23"/>
     <p:sldId id="281" r:id="rId24"/>
-    <p:sldId id="282" r:id="rId25"/>
-    <p:sldId id="283" r:id="rId26"/>
-    <p:sldId id="284" r:id="rId27"/>
-    <p:sldId id="265" r:id="rId28"/>
+    <p:sldId id="286" r:id="rId25"/>
+    <p:sldId id="287" r:id="rId26"/>
+    <p:sldId id="282" r:id="rId27"/>
+    <p:sldId id="283" r:id="rId28"/>
+    <p:sldId id="284" r:id="rId29"/>
+    <p:sldId id="285" r:id="rId30"/>
+    <p:sldId id="265" r:id="rId31"/>
   </p:sldIdLst>
   <p:sldSz cx="12192000" cy="6858000"/>
   <p:notesSz cx="6858000" cy="9144000"/>
@@ -10063,36 +10066,6 @@
           </a:p>
         </p:txBody>
       </p:sp>
-      <p:pic>
-        <p:nvPicPr>
-          <p:cNvPr id="5" name="圖片 4">
-            <a:extLst>
-              <a:ext uri="{FF2B5EF4-FFF2-40B4-BE49-F238E27FC236}">
-                <a16:creationId xmlns:a16="http://schemas.microsoft.com/office/drawing/2014/main" id="{AFE154A4-6F20-473C-B06E-6327EDB41442}"/>
-              </a:ext>
-            </a:extLst>
-          </p:cNvPr>
-          <p:cNvPicPr>
-            <a:picLocks noChangeAspect="1"/>
-          </p:cNvPicPr>
-          <p:nvPr/>
-        </p:nvPicPr>
-        <p:blipFill>
-          <a:blip r:embed="rId2"/>
-          <a:stretch>
-            <a:fillRect/>
-          </a:stretch>
-        </p:blipFill>
-        <p:spPr>
-          <a:xfrm>
-            <a:off x="6096000" y="2135832"/>
-            <a:ext cx="3589538" cy="4712087"/>
-          </a:xfrm>
-          <a:prstGeom prst="rect">
-            <a:avLst/>
-          </a:prstGeom>
-        </p:spPr>
-      </p:pic>
     </p:spTree>
     <p:extLst>
       <p:ext uri="{BB962C8B-B14F-4D97-AF65-F5344CB8AC3E}">
@@ -10137,7 +10110,7 @@
         </p:nvSpPr>
         <p:spPr>
           <a:xfrm>
-            <a:off x="1961965" y="932155"/>
+            <a:off x="1854350" y="372861"/>
             <a:ext cx="457176" cy="646331"/>
           </a:xfrm>
           <a:prstGeom prst="rect">
@@ -10159,84 +10132,12 @@
           </a:p>
         </p:txBody>
       </p:sp>
-      <p:sp>
-        <p:nvSpPr>
-          <p:cNvPr id="5" name="文字方塊 4">
+      <p:pic>
+        <p:nvPicPr>
+          <p:cNvPr id="9" name="圖片 8">
             <a:extLst>
               <a:ext uri="{FF2B5EF4-FFF2-40B4-BE49-F238E27FC236}">
-                <a16:creationId xmlns:a16="http://schemas.microsoft.com/office/drawing/2014/main" id="{084A3740-4CE4-4279-83FC-3A55E9C710A2}"/>
-              </a:ext>
-            </a:extLst>
-          </p:cNvPr>
-          <p:cNvSpPr txBox="1"/>
-          <p:nvPr/>
-        </p:nvSpPr>
-        <p:spPr>
-          <a:xfrm>
-            <a:off x="5575176" y="932155"/>
-            <a:ext cx="713657" cy="646331"/>
-          </a:xfrm>
-          <a:prstGeom prst="rect">
-            <a:avLst/>
-          </a:prstGeom>
-          <a:noFill/>
-        </p:spPr>
-        <p:txBody>
-          <a:bodyPr wrap="none" rtlCol="0">
-            <a:spAutoFit/>
-          </a:bodyPr>
-          <a:lstStyle/>
-          <a:p>
-            <a:r>
-              <a:rPr lang="en-US" altLang="zh-TW" sz="3600" dirty="0"/>
-              <a:t>2P</a:t>
-            </a:r>
-            <a:endParaRPr lang="zh-TW" altLang="en-US" sz="3600" dirty="0"/>
-          </a:p>
-        </p:txBody>
-      </p:sp>
-      <p:sp>
-        <p:nvSpPr>
-          <p:cNvPr id="6" name="文字方塊 5">
-            <a:extLst>
-              <a:ext uri="{FF2B5EF4-FFF2-40B4-BE49-F238E27FC236}">
-                <a16:creationId xmlns:a16="http://schemas.microsoft.com/office/drawing/2014/main" id="{05CF7E57-0835-4044-B5AE-31962A4B2479}"/>
-              </a:ext>
-            </a:extLst>
-          </p:cNvPr>
-          <p:cNvSpPr txBox="1"/>
-          <p:nvPr/>
-        </p:nvSpPr>
-        <p:spPr>
-          <a:xfrm>
-            <a:off x="9444868" y="932154"/>
-            <a:ext cx="713657" cy="646331"/>
-          </a:xfrm>
-          <a:prstGeom prst="rect">
-            <a:avLst/>
-          </a:prstGeom>
-          <a:noFill/>
-        </p:spPr>
-        <p:txBody>
-          <a:bodyPr wrap="none" rtlCol="0">
-            <a:spAutoFit/>
-          </a:bodyPr>
-          <a:lstStyle/>
-          <a:p>
-            <a:r>
-              <a:rPr lang="en-US" altLang="zh-TW" sz="3600" dirty="0"/>
-              <a:t>3P</a:t>
-            </a:r>
-            <a:endParaRPr lang="zh-TW" altLang="en-US" sz="3600" dirty="0"/>
-          </a:p>
-        </p:txBody>
-      </p:sp>
-      <p:pic>
-        <p:nvPicPr>
-          <p:cNvPr id="7" name="圖片 6">
-            <a:extLst>
-              <a:ext uri="{FF2B5EF4-FFF2-40B4-BE49-F238E27FC236}">
-                <a16:creationId xmlns:a16="http://schemas.microsoft.com/office/drawing/2014/main" id="{250D32E0-0102-4E2E-AB59-4C0D41BC0543}"/>
+                <a16:creationId xmlns:a16="http://schemas.microsoft.com/office/drawing/2014/main" id="{2E98BAF6-D115-4B33-8EBC-ECBCBEC3D72E}"/>
               </a:ext>
             </a:extLst>
           </p:cNvPr>
@@ -10253,68 +10154,8 @@
         </p:blipFill>
         <p:spPr>
           <a:xfrm>
-            <a:off x="3856797" y="2655928"/>
-            <a:ext cx="4150413" cy="3145630"/>
-          </a:xfrm>
-          <a:prstGeom prst="rect">
-            <a:avLst/>
-          </a:prstGeom>
-        </p:spPr>
-      </p:pic>
-      <p:pic>
-        <p:nvPicPr>
-          <p:cNvPr id="8" name="圖片 7">
-            <a:extLst>
-              <a:ext uri="{FF2B5EF4-FFF2-40B4-BE49-F238E27FC236}">
-                <a16:creationId xmlns:a16="http://schemas.microsoft.com/office/drawing/2014/main" id="{B0AC51D7-604C-40CB-AE1A-BD1BE6A3748F}"/>
-              </a:ext>
-            </a:extLst>
-          </p:cNvPr>
-          <p:cNvPicPr>
-            <a:picLocks noChangeAspect="1"/>
-          </p:cNvPicPr>
-          <p:nvPr/>
-        </p:nvPicPr>
-        <p:blipFill>
-          <a:blip r:embed="rId3"/>
-          <a:stretch>
-            <a:fillRect/>
-          </a:stretch>
-        </p:blipFill>
-        <p:spPr>
-          <a:xfrm>
-            <a:off x="7990792" y="2655928"/>
-            <a:ext cx="4150413" cy="3130568"/>
-          </a:xfrm>
-          <a:prstGeom prst="rect">
-            <a:avLst/>
-          </a:prstGeom>
-        </p:spPr>
-      </p:pic>
-      <p:pic>
-        <p:nvPicPr>
-          <p:cNvPr id="9" name="圖片 8">
-            <a:extLst>
-              <a:ext uri="{FF2B5EF4-FFF2-40B4-BE49-F238E27FC236}">
-                <a16:creationId xmlns:a16="http://schemas.microsoft.com/office/drawing/2014/main" id="{2E98BAF6-D115-4B33-8EBC-ECBCBEC3D72E}"/>
-              </a:ext>
-            </a:extLst>
-          </p:cNvPr>
-          <p:cNvPicPr>
-            <a:picLocks noChangeAspect="1"/>
-          </p:cNvPicPr>
-          <p:nvPr/>
-        </p:nvPicPr>
-        <p:blipFill>
-          <a:blip r:embed="rId4"/>
-          <a:stretch>
-            <a:fillRect/>
-          </a:stretch>
-        </p:blipFill>
-        <p:spPr>
-          <a:xfrm>
-            <a:off x="27768" y="2655928"/>
-            <a:ext cx="3868394" cy="2614354"/>
+            <a:off x="2311526" y="1427565"/>
+            <a:ext cx="7713445" cy="5212932"/>
           </a:xfrm>
           <a:prstGeom prst="rect">
             <a:avLst/>
@@ -10335,6 +10176,194 @@
 </file>
 
 <file path=ppt/slides/slide24.xml><?xml version="1.0" encoding="utf-8"?>
+<p:sld xmlns:a="http://schemas.openxmlformats.org/drawingml/2006/main" xmlns:r="http://schemas.openxmlformats.org/officeDocument/2006/relationships" xmlns:p="http://schemas.openxmlformats.org/presentationml/2006/main">
+  <p:cSld>
+    <p:spTree>
+      <p:nvGrpSpPr>
+        <p:cNvPr id="1" name=""/>
+        <p:cNvGrpSpPr/>
+        <p:nvPr/>
+      </p:nvGrpSpPr>
+      <p:grpSpPr>
+        <a:xfrm>
+          <a:off x="0" y="0"/>
+          <a:ext cx="0" cy="0"/>
+          <a:chOff x="0" y="0"/>
+          <a:chExt cx="0" cy="0"/>
+        </a:xfrm>
+      </p:grpSpPr>
+      <p:sp>
+        <p:nvSpPr>
+          <p:cNvPr id="2" name="標題 1">
+            <a:extLst>
+              <a:ext uri="{FF2B5EF4-FFF2-40B4-BE49-F238E27FC236}">
+                <a16:creationId xmlns:a16="http://schemas.microsoft.com/office/drawing/2014/main" id="{ABA67F81-2BEC-4331-B160-042D38F392DC}"/>
+              </a:ext>
+            </a:extLst>
+          </p:cNvPr>
+          <p:cNvSpPr>
+            <a:spLocks noGrp="1"/>
+          </p:cNvSpPr>
+          <p:nvPr>
+            <p:ph type="title"/>
+          </p:nvPr>
+        </p:nvSpPr>
+        <p:spPr>
+          <a:xfrm>
+            <a:off x="1640156" y="306333"/>
+            <a:ext cx="8911687" cy="1280890"/>
+          </a:xfrm>
+        </p:spPr>
+        <p:txBody>
+          <a:bodyPr/>
+          <a:lstStyle/>
+          <a:p>
+            <a:r>
+              <a:rPr lang="en-US" altLang="zh-TW" dirty="0"/>
+              <a:t>2P</a:t>
+            </a:r>
+            <a:endParaRPr lang="zh-TW" altLang="en-US" dirty="0"/>
+          </a:p>
+        </p:txBody>
+      </p:sp>
+      <p:pic>
+        <p:nvPicPr>
+          <p:cNvPr id="4" name="圖片 3">
+            <a:extLst>
+              <a:ext uri="{FF2B5EF4-FFF2-40B4-BE49-F238E27FC236}">
+                <a16:creationId xmlns:a16="http://schemas.microsoft.com/office/drawing/2014/main" id="{381F298E-5CCC-43BB-81AC-BEB91F3144E9}"/>
+              </a:ext>
+            </a:extLst>
+          </p:cNvPr>
+          <p:cNvPicPr>
+            <a:picLocks noChangeAspect="1"/>
+          </p:cNvPicPr>
+          <p:nvPr/>
+        </p:nvPicPr>
+        <p:blipFill>
+          <a:blip r:embed="rId2"/>
+          <a:stretch>
+            <a:fillRect/>
+          </a:stretch>
+        </p:blipFill>
+        <p:spPr>
+          <a:xfrm>
+            <a:off x="2500544" y="1003483"/>
+            <a:ext cx="7190912" cy="5450048"/>
+          </a:xfrm>
+          <a:prstGeom prst="rect">
+            <a:avLst/>
+          </a:prstGeom>
+        </p:spPr>
+      </p:pic>
+    </p:spTree>
+    <p:extLst>
+      <p:ext uri="{BB962C8B-B14F-4D97-AF65-F5344CB8AC3E}">
+        <p14:creationId xmlns:p14="http://schemas.microsoft.com/office/powerpoint/2010/main" val="2483678379"/>
+      </p:ext>
+    </p:extLst>
+  </p:cSld>
+  <p:clrMapOvr>
+    <a:masterClrMapping/>
+  </p:clrMapOvr>
+</p:sld>
+</file>
+
+<file path=ppt/slides/slide25.xml><?xml version="1.0" encoding="utf-8"?>
+<p:sld xmlns:a="http://schemas.openxmlformats.org/drawingml/2006/main" xmlns:r="http://schemas.openxmlformats.org/officeDocument/2006/relationships" xmlns:p="http://schemas.openxmlformats.org/presentationml/2006/main">
+  <p:cSld>
+    <p:spTree>
+      <p:nvGrpSpPr>
+        <p:cNvPr id="1" name=""/>
+        <p:cNvGrpSpPr/>
+        <p:nvPr/>
+      </p:nvGrpSpPr>
+      <p:grpSpPr>
+        <a:xfrm>
+          <a:off x="0" y="0"/>
+          <a:ext cx="0" cy="0"/>
+          <a:chOff x="0" y="0"/>
+          <a:chExt cx="0" cy="0"/>
+        </a:xfrm>
+      </p:grpSpPr>
+      <p:sp>
+        <p:nvSpPr>
+          <p:cNvPr id="2" name="標題 1">
+            <a:extLst>
+              <a:ext uri="{FF2B5EF4-FFF2-40B4-BE49-F238E27FC236}">
+                <a16:creationId xmlns:a16="http://schemas.microsoft.com/office/drawing/2014/main" id="{3B65C3B8-0133-48F3-9F20-53F113DF5477}"/>
+              </a:ext>
+            </a:extLst>
+          </p:cNvPr>
+          <p:cNvSpPr>
+            <a:spLocks noGrp="1"/>
+          </p:cNvSpPr>
+          <p:nvPr>
+            <p:ph type="title"/>
+          </p:nvPr>
+        </p:nvSpPr>
+        <p:spPr>
+          <a:xfrm>
+            <a:off x="1640156" y="464312"/>
+            <a:ext cx="8911687" cy="1280890"/>
+          </a:xfrm>
+        </p:spPr>
+        <p:txBody>
+          <a:bodyPr/>
+          <a:lstStyle/>
+          <a:p>
+            <a:r>
+              <a:rPr lang="en-US" altLang="zh-TW" dirty="0"/>
+              <a:t>3P</a:t>
+            </a:r>
+            <a:endParaRPr lang="zh-TW" altLang="en-US" dirty="0"/>
+          </a:p>
+        </p:txBody>
+      </p:sp>
+      <p:pic>
+        <p:nvPicPr>
+          <p:cNvPr id="4" name="圖片 3">
+            <a:extLst>
+              <a:ext uri="{FF2B5EF4-FFF2-40B4-BE49-F238E27FC236}">
+                <a16:creationId xmlns:a16="http://schemas.microsoft.com/office/drawing/2014/main" id="{4813E5E7-FB2B-426C-8576-16A31B7BB6D4}"/>
+              </a:ext>
+            </a:extLst>
+          </p:cNvPr>
+          <p:cNvPicPr>
+            <a:picLocks noChangeAspect="1"/>
+          </p:cNvPicPr>
+          <p:nvPr/>
+        </p:nvPicPr>
+        <p:blipFill>
+          <a:blip r:embed="rId2"/>
+          <a:stretch>
+            <a:fillRect/>
+          </a:stretch>
+        </p:blipFill>
+        <p:spPr>
+          <a:xfrm>
+            <a:off x="2464147" y="1072862"/>
+            <a:ext cx="7263706" cy="5478858"/>
+          </a:xfrm>
+          <a:prstGeom prst="rect">
+            <a:avLst/>
+          </a:prstGeom>
+        </p:spPr>
+      </p:pic>
+    </p:spTree>
+    <p:extLst>
+      <p:ext uri="{BB962C8B-B14F-4D97-AF65-F5344CB8AC3E}">
+        <p14:creationId xmlns:p14="http://schemas.microsoft.com/office/powerpoint/2010/main" val="2642614887"/>
+      </p:ext>
+    </p:extLst>
+  </p:cSld>
+  <p:clrMapOvr>
+    <a:masterClrMapping/>
+  </p:clrMapOvr>
+</p:sld>
+</file>
+
+<file path=ppt/slides/slide26.xml><?xml version="1.0" encoding="utf-8"?>
 <p:sld xmlns:a="http://schemas.openxmlformats.org/drawingml/2006/main" xmlns:r="http://schemas.openxmlformats.org/officeDocument/2006/relationships" xmlns:p="http://schemas.openxmlformats.org/presentationml/2006/main">
   <p:cSld>
     <p:spTree>
@@ -10437,7 +10466,7 @@
 </p:sld>
 </file>
 
-<file path=ppt/slides/slide25.xml><?xml version="1.0" encoding="utf-8"?>
+<file path=ppt/slides/slide27.xml><?xml version="1.0" encoding="utf-8"?>
 <p:sld xmlns:a="http://schemas.openxmlformats.org/drawingml/2006/main" xmlns:r="http://schemas.openxmlformats.org/officeDocument/2006/relationships" xmlns:p="http://schemas.openxmlformats.org/presentationml/2006/main">
   <p:cSld>
     <p:spTree>
@@ -10598,7 +10627,7 @@
 </p:sld>
 </file>
 
-<file path=ppt/slides/slide26.xml><?xml version="1.0" encoding="utf-8"?>
+<file path=ppt/slides/slide28.xml><?xml version="1.0" encoding="utf-8"?>
 <p:sld xmlns:a="http://schemas.openxmlformats.org/drawingml/2006/main" xmlns:r="http://schemas.openxmlformats.org/officeDocument/2006/relationships" xmlns:p="http://schemas.openxmlformats.org/presentationml/2006/main">
   <p:cSld>
     <p:spTree>
@@ -10655,42 +10684,50 @@
       </p:sp>
       <p:sp>
         <p:nvSpPr>
-          <p:cNvPr id="4" name="文字方塊 3">
+          <p:cNvPr id="5" name="內容版面配置區 2">
             <a:extLst>
               <a:ext uri="{FF2B5EF4-FFF2-40B4-BE49-F238E27FC236}">
-                <a16:creationId xmlns:a16="http://schemas.microsoft.com/office/drawing/2014/main" id="{AB004BEA-7870-41CC-BF4D-B3C7DC2CAF47}"/>
+                <a16:creationId xmlns:a16="http://schemas.microsoft.com/office/drawing/2014/main" id="{E6E5BDB6-7534-48E1-92DC-4C9A98387970}"/>
               </a:ext>
             </a:extLst>
           </p:cNvPr>
-          <p:cNvSpPr txBox="1"/>
-          <p:nvPr/>
+          <p:cNvSpPr>
+            <a:spLocks noGrp="1"/>
+          </p:cNvSpPr>
+          <p:nvPr>
+            <p:ph idx="1"/>
+          </p:nvPr>
         </p:nvSpPr>
         <p:spPr>
           <a:xfrm>
-            <a:off x="1553593" y="1874668"/>
-            <a:ext cx="9725739" cy="830997"/>
-          </a:xfrm>
-          <a:prstGeom prst="rect">
-            <a:avLst/>
-          </a:prstGeom>
-          <a:noFill/>
-        </p:spPr>
-        <p:txBody>
-          <a:bodyPr wrap="none" rtlCol="0">
-            <a:spAutoFit/>
+            <a:off x="1640156" y="1725227"/>
+            <a:ext cx="8915400" cy="3777622"/>
+          </a:xfrm>
+        </p:spPr>
+        <p:txBody>
+          <a:bodyPr>
+            <a:normAutofit/>
           </a:bodyPr>
           <a:lstStyle/>
           <a:p>
             <a:r>
               <a:rPr lang="zh-TW" altLang="en-US" sz="2400" dirty="0"/>
-              <a:t>把每輪運算的動作變成查表的方法，讓要做的運算變成只有查表和相加</a:t>
+              <a:t>把每輪運算的動作變成查表的方法，讓要做的運算變成只有查表和相加，簡單很多。</a:t>
             </a:r>
             <a:endParaRPr lang="en-US" altLang="zh-TW" sz="2400" dirty="0"/>
           </a:p>
           <a:p>
             <a:r>
               <a:rPr lang="zh-TW" altLang="en-US" sz="2400" dirty="0"/>
-              <a:t>，簡單很多</a:t>
+              <a:t>能把</a:t>
+            </a:r>
+            <a:r>
+              <a:rPr lang="en-US" altLang="zh-TW" sz="2400" dirty="0"/>
+              <a:t>state</a:t>
+            </a:r>
+            <a:r>
+              <a:rPr lang="zh-TW" altLang="en-US" sz="2400" dirty="0"/>
+              <a:t>的個數減少很多。</a:t>
             </a:r>
           </a:p>
         </p:txBody>
@@ -10708,7 +10745,7 @@
 </p:sld>
 </file>
 
-<file path=ppt/slides/slide27.xml><?xml version="1.0" encoding="utf-8"?>
+<file path=ppt/slides/slide29.xml><?xml version="1.0" encoding="utf-8"?>
 <p:sld xmlns:a="http://schemas.openxmlformats.org/drawingml/2006/main" xmlns:r="http://schemas.openxmlformats.org/officeDocument/2006/relationships" xmlns:p="http://schemas.openxmlformats.org/presentationml/2006/main">
   <p:cSld>
     <p:spTree>
@@ -10730,7 +10767,7 @@
           <p:cNvPr id="2" name="標題 1">
             <a:extLst>
               <a:ext uri="{FF2B5EF4-FFF2-40B4-BE49-F238E27FC236}">
-                <a16:creationId xmlns:a16="http://schemas.microsoft.com/office/drawing/2014/main" id="{4E26C61B-05E5-4C49-9544-3176914F6091}"/>
+                <a16:creationId xmlns:a16="http://schemas.microsoft.com/office/drawing/2014/main" id="{3CFDBFA8-621D-4078-953C-2031B623ED39}"/>
               </a:ext>
             </a:extLst>
           </p:cNvPr>
@@ -10741,133 +10778,82 @@
             <p:ph type="title"/>
           </p:nvPr>
         </p:nvSpPr>
-        <p:spPr/>
+        <p:spPr>
+          <a:xfrm>
+            <a:off x="1640156" y="606355"/>
+            <a:ext cx="8911687" cy="1280890"/>
+          </a:xfrm>
+        </p:spPr>
         <p:txBody>
           <a:bodyPr/>
           <a:lstStyle/>
           <a:p>
             <a:r>
               <a:rPr lang="zh-TW" altLang="en-US" dirty="0"/>
-              <a:t>參考網址</a:t>
-            </a:r>
-          </a:p>
-        </p:txBody>
-      </p:sp>
-      <p:sp>
-        <p:nvSpPr>
-          <p:cNvPr id="4" name="矩形 3">
+              <a:t>缺點</a:t>
+            </a:r>
+          </a:p>
+        </p:txBody>
+      </p:sp>
+      <p:sp>
+        <p:nvSpPr>
+          <p:cNvPr id="3" name="內容版面配置區 2">
             <a:extLst>
               <a:ext uri="{FF2B5EF4-FFF2-40B4-BE49-F238E27FC236}">
-                <a16:creationId xmlns:a16="http://schemas.microsoft.com/office/drawing/2014/main" id="{ABBC9346-F5F8-46E4-956C-9F2C426E758B}"/>
+                <a16:creationId xmlns:a16="http://schemas.microsoft.com/office/drawing/2014/main" id="{0A746107-4E77-42F8-9C78-7EE00E57FA5C}"/>
               </a:ext>
             </a:extLst>
           </p:cNvPr>
-          <p:cNvSpPr/>
-          <p:nvPr/>
+          <p:cNvSpPr>
+            <a:spLocks noGrp="1"/>
+          </p:cNvSpPr>
+          <p:nvPr>
+            <p:ph idx="1"/>
+          </p:nvPr>
         </p:nvSpPr>
         <p:spPr>
           <a:xfrm>
-            <a:off x="2641107" y="4059550"/>
-            <a:ext cx="6096000" cy="369332"/>
-          </a:xfrm>
-          <a:prstGeom prst="rect">
-            <a:avLst/>
-          </a:prstGeom>
+            <a:off x="1640156" y="1725227"/>
+            <a:ext cx="8915400" cy="3777622"/>
+          </a:xfrm>
         </p:spPr>
         <p:txBody>
           <a:bodyPr>
-            <a:spAutoFit/>
+            <a:normAutofit/>
           </a:bodyPr>
           <a:lstStyle/>
           <a:p>
             <a:r>
-              <a:rPr lang="en-US" altLang="zh-TW" dirty="0">
-                <a:hlinkClick r:id="rId2"/>
-              </a:rPr>
-              <a:t>https://www.itread01.com/content/1541892089.html</a:t>
-            </a:r>
-            <a:endParaRPr lang="zh-TW" altLang="en-US" dirty="0"/>
-          </a:p>
-        </p:txBody>
-      </p:sp>
-      <p:sp>
-        <p:nvSpPr>
-          <p:cNvPr id="5" name="矩形 4">
-            <a:extLst>
-              <a:ext uri="{FF2B5EF4-FFF2-40B4-BE49-F238E27FC236}">
-                <a16:creationId xmlns:a16="http://schemas.microsoft.com/office/drawing/2014/main" id="{5A4FFEE7-92A5-4772-9ACE-2678208882F2}"/>
-              </a:ext>
-            </a:extLst>
-          </p:cNvPr>
-          <p:cNvSpPr/>
-          <p:nvPr/>
-        </p:nvSpPr>
-        <p:spPr>
-          <a:xfrm>
-            <a:off x="2641107" y="3049000"/>
-            <a:ext cx="6096000" cy="646331"/>
-          </a:xfrm>
-          <a:prstGeom prst="rect">
-            <a:avLst/>
-          </a:prstGeom>
-        </p:spPr>
-        <p:txBody>
-          <a:bodyPr>
-            <a:spAutoFit/>
-          </a:bodyPr>
-          <a:lstStyle/>
-          <a:p>
-            <a:r>
-              <a:rPr lang="en-US" altLang="zh-TW" dirty="0">
-                <a:hlinkClick r:id="rId3"/>
-              </a:rPr>
-              <a:t>https://ir.nctu.edu.tw/bitstream/11536/41079/3/751403.pdf</a:t>
-            </a:r>
-            <a:endParaRPr lang="zh-TW" altLang="en-US" dirty="0"/>
-          </a:p>
-        </p:txBody>
-      </p:sp>
-      <p:sp>
-        <p:nvSpPr>
-          <p:cNvPr id="6" name="矩形 5">
-            <a:extLst>
-              <a:ext uri="{FF2B5EF4-FFF2-40B4-BE49-F238E27FC236}">
-                <a16:creationId xmlns:a16="http://schemas.microsoft.com/office/drawing/2014/main" id="{4EF82E05-EC85-4B05-834F-53F7989607A5}"/>
-              </a:ext>
-            </a:extLst>
-          </p:cNvPr>
-          <p:cNvSpPr/>
-          <p:nvPr/>
-        </p:nvSpPr>
-        <p:spPr>
-          <a:xfrm>
-            <a:off x="2641107" y="1761452"/>
-            <a:ext cx="6096000" cy="923330"/>
-          </a:xfrm>
-          <a:prstGeom prst="rect">
-            <a:avLst/>
-          </a:prstGeom>
-        </p:spPr>
-        <p:txBody>
-          <a:bodyPr>
-            <a:spAutoFit/>
-          </a:bodyPr>
-          <a:lstStyle/>
-          <a:p>
-            <a:r>
-              <a:rPr lang="en-US" altLang="zh-TW" dirty="0">
-                <a:hlinkClick r:id="rId4"/>
-              </a:rPr>
-              <a:t>https://blog.csdn.net/qq_28205153/article/details/55798628?fbclid=IwAR0wOPNUt0ntWz1ljXvmLFOKfBRH1iSgF4_GYXP4OMgxg4SKI8CF7s5d02g</a:t>
-            </a:r>
-            <a:endParaRPr lang="zh-TW" altLang="en-US" dirty="0"/>
+              <a:rPr lang="zh-TW" altLang="en-US" sz="2400" dirty="0"/>
+              <a:t>事前製作</a:t>
+            </a:r>
+            <a:r>
+              <a:rPr lang="en-US" altLang="zh-TW" sz="2400" dirty="0"/>
+              <a:t>table</a:t>
+            </a:r>
+            <a:r>
+              <a:rPr lang="zh-TW" altLang="en-US" sz="2400" dirty="0"/>
+              <a:t>的運算量很大。</a:t>
+            </a:r>
+            <a:endParaRPr lang="en-US" altLang="zh-TW" sz="2400" dirty="0"/>
+          </a:p>
+          <a:p>
+            <a:r>
+              <a:rPr lang="zh-TW" altLang="en-US" sz="2400" dirty="0"/>
+              <a:t>不容易</a:t>
+            </a:r>
+            <a:r>
+              <a:rPr lang="en-US" altLang="zh-TW" sz="2400" dirty="0"/>
+              <a:t>debug</a:t>
+            </a:r>
+            <a:endParaRPr lang="zh-TW" altLang="en-US" sz="2400" dirty="0"/>
           </a:p>
         </p:txBody>
       </p:sp>
     </p:spTree>
     <p:extLst>
       <p:ext uri="{BB962C8B-B14F-4D97-AF65-F5344CB8AC3E}">
-        <p14:creationId xmlns:p14="http://schemas.microsoft.com/office/powerpoint/2010/main" val="1769182824"/>
+        <p14:creationId xmlns:p14="http://schemas.microsoft.com/office/powerpoint/2010/main" val="1882606977"/>
       </p:ext>
     </p:extLst>
   </p:cSld>
@@ -10956,6 +10942,175 @@
     <p:extLst>
       <p:ext uri="{BB962C8B-B14F-4D97-AF65-F5344CB8AC3E}">
         <p14:creationId xmlns:p14="http://schemas.microsoft.com/office/powerpoint/2010/main" val="4286545332"/>
+      </p:ext>
+    </p:extLst>
+  </p:cSld>
+  <p:clrMapOvr>
+    <a:masterClrMapping/>
+  </p:clrMapOvr>
+</p:sld>
+</file>
+
+<file path=ppt/slides/slide30.xml><?xml version="1.0" encoding="utf-8"?>
+<p:sld xmlns:a="http://schemas.openxmlformats.org/drawingml/2006/main" xmlns:r="http://schemas.openxmlformats.org/officeDocument/2006/relationships" xmlns:p="http://schemas.openxmlformats.org/presentationml/2006/main">
+  <p:cSld>
+    <p:spTree>
+      <p:nvGrpSpPr>
+        <p:cNvPr id="1" name=""/>
+        <p:cNvGrpSpPr/>
+        <p:nvPr/>
+      </p:nvGrpSpPr>
+      <p:grpSpPr>
+        <a:xfrm>
+          <a:off x="0" y="0"/>
+          <a:ext cx="0" cy="0"/>
+          <a:chOff x="0" y="0"/>
+          <a:chExt cx="0" cy="0"/>
+        </a:xfrm>
+      </p:grpSpPr>
+      <p:sp>
+        <p:nvSpPr>
+          <p:cNvPr id="2" name="標題 1">
+            <a:extLst>
+              <a:ext uri="{FF2B5EF4-FFF2-40B4-BE49-F238E27FC236}">
+                <a16:creationId xmlns:a16="http://schemas.microsoft.com/office/drawing/2014/main" id="{4E26C61B-05E5-4C49-9544-3176914F6091}"/>
+              </a:ext>
+            </a:extLst>
+          </p:cNvPr>
+          <p:cNvSpPr>
+            <a:spLocks noGrp="1"/>
+          </p:cNvSpPr>
+          <p:nvPr>
+            <p:ph type="title"/>
+          </p:nvPr>
+        </p:nvSpPr>
+        <p:spPr/>
+        <p:txBody>
+          <a:bodyPr/>
+          <a:lstStyle/>
+          <a:p>
+            <a:r>
+              <a:rPr lang="zh-TW" altLang="en-US" dirty="0"/>
+              <a:t>參考網址</a:t>
+            </a:r>
+          </a:p>
+        </p:txBody>
+      </p:sp>
+      <p:sp>
+        <p:nvSpPr>
+          <p:cNvPr id="4" name="矩形 3">
+            <a:extLst>
+              <a:ext uri="{FF2B5EF4-FFF2-40B4-BE49-F238E27FC236}">
+                <a16:creationId xmlns:a16="http://schemas.microsoft.com/office/drawing/2014/main" id="{ABBC9346-F5F8-46E4-956C-9F2C426E758B}"/>
+              </a:ext>
+            </a:extLst>
+          </p:cNvPr>
+          <p:cNvSpPr/>
+          <p:nvPr/>
+        </p:nvSpPr>
+        <p:spPr>
+          <a:xfrm>
+            <a:off x="2641107" y="4059550"/>
+            <a:ext cx="6096000" cy="369332"/>
+          </a:xfrm>
+          <a:prstGeom prst="rect">
+            <a:avLst/>
+          </a:prstGeom>
+        </p:spPr>
+        <p:txBody>
+          <a:bodyPr>
+            <a:spAutoFit/>
+          </a:bodyPr>
+          <a:lstStyle/>
+          <a:p>
+            <a:r>
+              <a:rPr lang="en-US" altLang="zh-TW" dirty="0">
+                <a:hlinkClick r:id="rId2"/>
+              </a:rPr>
+              <a:t>https://www.itread01.com/content/1541892089.html</a:t>
+            </a:r>
+            <a:endParaRPr lang="zh-TW" altLang="en-US" dirty="0"/>
+          </a:p>
+        </p:txBody>
+      </p:sp>
+      <p:sp>
+        <p:nvSpPr>
+          <p:cNvPr id="5" name="矩形 4">
+            <a:extLst>
+              <a:ext uri="{FF2B5EF4-FFF2-40B4-BE49-F238E27FC236}">
+                <a16:creationId xmlns:a16="http://schemas.microsoft.com/office/drawing/2014/main" id="{5A4FFEE7-92A5-4772-9ACE-2678208882F2}"/>
+              </a:ext>
+            </a:extLst>
+          </p:cNvPr>
+          <p:cNvSpPr/>
+          <p:nvPr/>
+        </p:nvSpPr>
+        <p:spPr>
+          <a:xfrm>
+            <a:off x="2641107" y="3049000"/>
+            <a:ext cx="6096000" cy="646331"/>
+          </a:xfrm>
+          <a:prstGeom prst="rect">
+            <a:avLst/>
+          </a:prstGeom>
+        </p:spPr>
+        <p:txBody>
+          <a:bodyPr>
+            <a:spAutoFit/>
+          </a:bodyPr>
+          <a:lstStyle/>
+          <a:p>
+            <a:r>
+              <a:rPr lang="en-US" altLang="zh-TW" dirty="0">
+                <a:hlinkClick r:id="rId3"/>
+              </a:rPr>
+              <a:t>https://ir.nctu.edu.tw/bitstream/11536/41079/3/751403.pdf</a:t>
+            </a:r>
+            <a:endParaRPr lang="zh-TW" altLang="en-US" dirty="0"/>
+          </a:p>
+        </p:txBody>
+      </p:sp>
+      <p:sp>
+        <p:nvSpPr>
+          <p:cNvPr id="6" name="矩形 5">
+            <a:extLst>
+              <a:ext uri="{FF2B5EF4-FFF2-40B4-BE49-F238E27FC236}">
+                <a16:creationId xmlns:a16="http://schemas.microsoft.com/office/drawing/2014/main" id="{4EF82E05-EC85-4B05-834F-53F7989607A5}"/>
+              </a:ext>
+            </a:extLst>
+          </p:cNvPr>
+          <p:cNvSpPr/>
+          <p:nvPr/>
+        </p:nvSpPr>
+        <p:spPr>
+          <a:xfrm>
+            <a:off x="2641107" y="1761452"/>
+            <a:ext cx="6096000" cy="923330"/>
+          </a:xfrm>
+          <a:prstGeom prst="rect">
+            <a:avLst/>
+          </a:prstGeom>
+        </p:spPr>
+        <p:txBody>
+          <a:bodyPr>
+            <a:spAutoFit/>
+          </a:bodyPr>
+          <a:lstStyle/>
+          <a:p>
+            <a:r>
+              <a:rPr lang="en-US" altLang="zh-TW" dirty="0">
+                <a:hlinkClick r:id="rId4"/>
+              </a:rPr>
+              <a:t>https://blog.csdn.net/qq_28205153/article/details/55798628?fbclid=IwAR0wOPNUt0ntWz1ljXvmLFOKfBRH1iSgF4_GYXP4OMgxg4SKI8CF7s5d02g</a:t>
+            </a:r>
+            <a:endParaRPr lang="zh-TW" altLang="en-US" dirty="0"/>
+          </a:p>
+        </p:txBody>
+      </p:sp>
+    </p:spTree>
+    <p:extLst>
+      <p:ext uri="{BB962C8B-B14F-4D97-AF65-F5344CB8AC3E}">
+        <p14:creationId xmlns:p14="http://schemas.microsoft.com/office/powerpoint/2010/main" val="1769182824"/>
       </p:ext>
     </p:extLst>
   </p:cSld>
